--- a/pet-store.PP.pptx
+++ b/pet-store.PP.pptx
@@ -20,6 +20,7 @@
     <p:sldId id="265" r:id="rId17"/>
     <p:sldId id="266" r:id="rId18"/>
     <p:sldId id="267" r:id="rId19"/>
+    <p:sldId id="268" r:id="rId20"/>
   </p:sldIdLst>
   <p:sldSz cx="24384000" cy="13716000"/>
   <p:notesSz cx="6858000" cy="9144000"/>
@@ -50,7 +51,7 @@
         <a:uFillTx/>
       </a:defRPr>
     </a:defPPr>
-    <a:lvl1pPr marL="0" marR="0" indent="0" algn="l" defTabSz="2438338" rtl="0" fontAlgn="auto" latinLnBrk="0" hangingPunct="0">
+    <a:lvl1pPr marL="0" marR="0" indent="0" algn="l" defTabSz="2438337" rtl="0" fontAlgn="auto" latinLnBrk="0" hangingPunct="0">
       <a:lnSpc>
         <a:spcPct val="90000"/>
       </a:lnSpc>
@@ -74,13 +75,13 @@
         </a:solidFill>
         <a:effectLst/>
         <a:uFillTx/>
-        <a:latin typeface="+mn-lt"/>
-        <a:ea typeface="+mn-ea"/>
-        <a:cs typeface="+mn-cs"/>
+        <a:latin typeface="+mj-lt"/>
+        <a:ea typeface="+mj-ea"/>
+        <a:cs typeface="+mj-cs"/>
         <a:sym typeface="Helvetica Neue"/>
       </a:defRPr>
     </a:lvl1pPr>
-    <a:lvl2pPr marL="0" marR="0" indent="0" algn="l" defTabSz="2438338" rtl="0" fontAlgn="auto" latinLnBrk="0" hangingPunct="0">
+    <a:lvl2pPr marL="0" marR="0" indent="0" algn="l" defTabSz="2438337" rtl="0" fontAlgn="auto" latinLnBrk="0" hangingPunct="0">
       <a:lnSpc>
         <a:spcPct val="90000"/>
       </a:lnSpc>
@@ -104,13 +105,13 @@
         </a:solidFill>
         <a:effectLst/>
         <a:uFillTx/>
-        <a:latin typeface="+mn-lt"/>
-        <a:ea typeface="+mn-ea"/>
-        <a:cs typeface="+mn-cs"/>
+        <a:latin typeface="+mj-lt"/>
+        <a:ea typeface="+mj-ea"/>
+        <a:cs typeface="+mj-cs"/>
         <a:sym typeface="Helvetica Neue"/>
       </a:defRPr>
     </a:lvl2pPr>
-    <a:lvl3pPr marL="0" marR="0" indent="0" algn="l" defTabSz="2438338" rtl="0" fontAlgn="auto" latinLnBrk="0" hangingPunct="0">
+    <a:lvl3pPr marL="0" marR="0" indent="0" algn="l" defTabSz="2438337" rtl="0" fontAlgn="auto" latinLnBrk="0" hangingPunct="0">
       <a:lnSpc>
         <a:spcPct val="90000"/>
       </a:lnSpc>
@@ -134,13 +135,13 @@
         </a:solidFill>
         <a:effectLst/>
         <a:uFillTx/>
-        <a:latin typeface="+mn-lt"/>
-        <a:ea typeface="+mn-ea"/>
-        <a:cs typeface="+mn-cs"/>
+        <a:latin typeface="+mj-lt"/>
+        <a:ea typeface="+mj-ea"/>
+        <a:cs typeface="+mj-cs"/>
         <a:sym typeface="Helvetica Neue"/>
       </a:defRPr>
     </a:lvl3pPr>
-    <a:lvl4pPr marL="0" marR="0" indent="0" algn="l" defTabSz="2438338" rtl="0" fontAlgn="auto" latinLnBrk="0" hangingPunct="0">
+    <a:lvl4pPr marL="0" marR="0" indent="0" algn="l" defTabSz="2438337" rtl="0" fontAlgn="auto" latinLnBrk="0" hangingPunct="0">
       <a:lnSpc>
         <a:spcPct val="90000"/>
       </a:lnSpc>
@@ -164,13 +165,13 @@
         </a:solidFill>
         <a:effectLst/>
         <a:uFillTx/>
-        <a:latin typeface="+mn-lt"/>
-        <a:ea typeface="+mn-ea"/>
-        <a:cs typeface="+mn-cs"/>
+        <a:latin typeface="+mj-lt"/>
+        <a:ea typeface="+mj-ea"/>
+        <a:cs typeface="+mj-cs"/>
         <a:sym typeface="Helvetica Neue"/>
       </a:defRPr>
     </a:lvl4pPr>
-    <a:lvl5pPr marL="0" marR="0" indent="0" algn="l" defTabSz="2438338" rtl="0" fontAlgn="auto" latinLnBrk="0" hangingPunct="0">
+    <a:lvl5pPr marL="0" marR="0" indent="0" algn="l" defTabSz="2438337" rtl="0" fontAlgn="auto" latinLnBrk="0" hangingPunct="0">
       <a:lnSpc>
         <a:spcPct val="90000"/>
       </a:lnSpc>
@@ -194,13 +195,13 @@
         </a:solidFill>
         <a:effectLst/>
         <a:uFillTx/>
-        <a:latin typeface="+mn-lt"/>
-        <a:ea typeface="+mn-ea"/>
-        <a:cs typeface="+mn-cs"/>
+        <a:latin typeface="+mj-lt"/>
+        <a:ea typeface="+mj-ea"/>
+        <a:cs typeface="+mj-cs"/>
         <a:sym typeface="Helvetica Neue"/>
       </a:defRPr>
     </a:lvl5pPr>
-    <a:lvl6pPr marL="0" marR="0" indent="0" algn="l" defTabSz="2438338" rtl="0" fontAlgn="auto" latinLnBrk="0" hangingPunct="0">
+    <a:lvl6pPr marL="0" marR="0" indent="0" algn="l" defTabSz="2438337" rtl="0" fontAlgn="auto" latinLnBrk="0" hangingPunct="0">
       <a:lnSpc>
         <a:spcPct val="90000"/>
       </a:lnSpc>
@@ -224,13 +225,13 @@
         </a:solidFill>
         <a:effectLst/>
         <a:uFillTx/>
-        <a:latin typeface="+mn-lt"/>
-        <a:ea typeface="+mn-ea"/>
-        <a:cs typeface="+mn-cs"/>
+        <a:latin typeface="+mj-lt"/>
+        <a:ea typeface="+mj-ea"/>
+        <a:cs typeface="+mj-cs"/>
         <a:sym typeface="Helvetica Neue"/>
       </a:defRPr>
     </a:lvl6pPr>
-    <a:lvl7pPr marL="0" marR="0" indent="0" algn="l" defTabSz="2438338" rtl="0" fontAlgn="auto" latinLnBrk="0" hangingPunct="0">
+    <a:lvl7pPr marL="0" marR="0" indent="0" algn="l" defTabSz="2438337" rtl="0" fontAlgn="auto" latinLnBrk="0" hangingPunct="0">
       <a:lnSpc>
         <a:spcPct val="90000"/>
       </a:lnSpc>
@@ -254,13 +255,13 @@
         </a:solidFill>
         <a:effectLst/>
         <a:uFillTx/>
-        <a:latin typeface="+mn-lt"/>
-        <a:ea typeface="+mn-ea"/>
-        <a:cs typeface="+mn-cs"/>
+        <a:latin typeface="+mj-lt"/>
+        <a:ea typeface="+mj-ea"/>
+        <a:cs typeface="+mj-cs"/>
         <a:sym typeface="Helvetica Neue"/>
       </a:defRPr>
     </a:lvl7pPr>
-    <a:lvl8pPr marL="0" marR="0" indent="0" algn="l" defTabSz="2438338" rtl="0" fontAlgn="auto" latinLnBrk="0" hangingPunct="0">
+    <a:lvl8pPr marL="0" marR="0" indent="0" algn="l" defTabSz="2438337" rtl="0" fontAlgn="auto" latinLnBrk="0" hangingPunct="0">
       <a:lnSpc>
         <a:spcPct val="90000"/>
       </a:lnSpc>
@@ -284,13 +285,13 @@
         </a:solidFill>
         <a:effectLst/>
         <a:uFillTx/>
-        <a:latin typeface="+mn-lt"/>
-        <a:ea typeface="+mn-ea"/>
-        <a:cs typeface="+mn-cs"/>
+        <a:latin typeface="+mj-lt"/>
+        <a:ea typeface="+mj-ea"/>
+        <a:cs typeface="+mj-cs"/>
         <a:sym typeface="Helvetica Neue"/>
       </a:defRPr>
     </a:lvl8pPr>
-    <a:lvl9pPr marL="0" marR="0" indent="0" algn="l" defTabSz="2438338" rtl="0" fontAlgn="auto" latinLnBrk="0" hangingPunct="0">
+    <a:lvl9pPr marL="0" marR="0" indent="0" algn="l" defTabSz="2438337" rtl="0" fontAlgn="auto" latinLnBrk="0" hangingPunct="0">
       <a:lnSpc>
         <a:spcPct val="90000"/>
       </a:lnSpc>
@@ -314,9 +315,9 @@
         </a:solidFill>
         <a:effectLst/>
         <a:uFillTx/>
-        <a:latin typeface="+mn-lt"/>
-        <a:ea typeface="+mn-ea"/>
-        <a:cs typeface="+mn-cs"/>
+        <a:latin typeface="+mj-lt"/>
+        <a:ea typeface="+mj-ea"/>
+        <a:cs typeface="+mj-cs"/>
         <a:sym typeface="Helvetica Neue"/>
       </a:defRPr>
     </a:lvl9pPr>
@@ -404,9 +405,9 @@
         <a:spcPct val="117999"/>
       </a:lnSpc>
       <a:defRPr sz="2200">
-        <a:latin typeface="+mn-lt"/>
-        <a:ea typeface="+mn-ea"/>
-        <a:cs typeface="+mn-cs"/>
+        <a:latin typeface="+mj-lt"/>
+        <a:ea typeface="+mj-ea"/>
+        <a:cs typeface="+mj-cs"/>
         <a:sym typeface="Helvetica Neue"/>
       </a:defRPr>
     </a:lvl1pPr>
@@ -415,9 +416,9 @@
         <a:spcPct val="117999"/>
       </a:lnSpc>
       <a:defRPr sz="2200">
-        <a:latin typeface="+mn-lt"/>
-        <a:ea typeface="+mn-ea"/>
-        <a:cs typeface="+mn-cs"/>
+        <a:latin typeface="+mj-lt"/>
+        <a:ea typeface="+mj-ea"/>
+        <a:cs typeface="+mj-cs"/>
         <a:sym typeface="Helvetica Neue"/>
       </a:defRPr>
     </a:lvl2pPr>
@@ -426,9 +427,9 @@
         <a:spcPct val="117999"/>
       </a:lnSpc>
       <a:defRPr sz="2200">
-        <a:latin typeface="+mn-lt"/>
-        <a:ea typeface="+mn-ea"/>
-        <a:cs typeface="+mn-cs"/>
+        <a:latin typeface="+mj-lt"/>
+        <a:ea typeface="+mj-ea"/>
+        <a:cs typeface="+mj-cs"/>
         <a:sym typeface="Helvetica Neue"/>
       </a:defRPr>
     </a:lvl3pPr>
@@ -437,9 +438,9 @@
         <a:spcPct val="117999"/>
       </a:lnSpc>
       <a:defRPr sz="2200">
-        <a:latin typeface="+mn-lt"/>
-        <a:ea typeface="+mn-ea"/>
-        <a:cs typeface="+mn-cs"/>
+        <a:latin typeface="+mj-lt"/>
+        <a:ea typeface="+mj-ea"/>
+        <a:cs typeface="+mj-cs"/>
         <a:sym typeface="Helvetica Neue"/>
       </a:defRPr>
     </a:lvl4pPr>
@@ -448,9 +449,9 @@
         <a:spcPct val="117999"/>
       </a:lnSpc>
       <a:defRPr sz="2200">
-        <a:latin typeface="+mn-lt"/>
-        <a:ea typeface="+mn-ea"/>
-        <a:cs typeface="+mn-cs"/>
+        <a:latin typeface="+mj-lt"/>
+        <a:ea typeface="+mj-ea"/>
+        <a:cs typeface="+mj-cs"/>
         <a:sym typeface="Helvetica Neue"/>
       </a:defRPr>
     </a:lvl5pPr>
@@ -459,9 +460,9 @@
         <a:spcPct val="117999"/>
       </a:lnSpc>
       <a:defRPr sz="2200">
-        <a:latin typeface="+mn-lt"/>
-        <a:ea typeface="+mn-ea"/>
-        <a:cs typeface="+mn-cs"/>
+        <a:latin typeface="+mj-lt"/>
+        <a:ea typeface="+mj-ea"/>
+        <a:cs typeface="+mj-cs"/>
         <a:sym typeface="Helvetica Neue"/>
       </a:defRPr>
     </a:lvl6pPr>
@@ -470,9 +471,9 @@
         <a:spcPct val="117999"/>
       </a:lnSpc>
       <a:defRPr sz="2200">
-        <a:latin typeface="+mn-lt"/>
-        <a:ea typeface="+mn-ea"/>
-        <a:cs typeface="+mn-cs"/>
+        <a:latin typeface="+mj-lt"/>
+        <a:ea typeface="+mj-ea"/>
+        <a:cs typeface="+mj-cs"/>
         <a:sym typeface="Helvetica Neue"/>
       </a:defRPr>
     </a:lvl7pPr>
@@ -481,9 +482,9 @@
         <a:spcPct val="117999"/>
       </a:lnSpc>
       <a:defRPr sz="2200">
-        <a:latin typeface="+mn-lt"/>
-        <a:ea typeface="+mn-ea"/>
-        <a:cs typeface="+mn-cs"/>
+        <a:latin typeface="+mj-lt"/>
+        <a:ea typeface="+mj-ea"/>
+        <a:cs typeface="+mj-cs"/>
         <a:sym typeface="Helvetica Neue"/>
       </a:defRPr>
     </a:lvl8pPr>
@@ -492,9 +493,9 @@
         <a:spcPct val="117999"/>
       </a:lnSpc>
       <a:defRPr sz="2200">
-        <a:latin typeface="+mn-lt"/>
-        <a:ea typeface="+mn-ea"/>
-        <a:cs typeface="+mn-cs"/>
+        <a:latin typeface="+mj-lt"/>
+        <a:ea typeface="+mj-ea"/>
+        <a:cs typeface="+mj-cs"/>
         <a:sym typeface="Helvetica Neue"/>
       </a:defRPr>
     </a:lvl9pPr>
@@ -503,7 +504,7 @@
 </file>
 
 <file path=ppt/slideLayouts/slideLayout1.xml><?xml version="1.0" encoding="utf-8"?>
-<p:sldLayout xmlns:a="http://schemas.openxmlformats.org/drawingml/2006/main" xmlns:r="http://schemas.openxmlformats.org/officeDocument/2006/relationships" xmlns:p="http://schemas.openxmlformats.org/presentationml/2006/main" xmlns:m="http://schemas.openxmlformats.org/officeDocument/2006/math" xmlns:a14="http://schemas.microsoft.com/office/drawing/2010/main" type="title" showMasterSp="1" showMasterPhAnim="1">
+<p:sldLayout xmlns:a="http://schemas.openxmlformats.org/drawingml/2006/main" xmlns:r="http://schemas.openxmlformats.org/officeDocument/2006/relationships" xmlns:p="http://schemas.openxmlformats.org/presentationml/2006/main" xmlns:m="http://schemas.openxmlformats.org/officeDocument/2006/math" xmlns:a14="http://schemas.microsoft.com/office/drawing/2010/main" type="tx" showMasterSp="1" showMasterPhAnim="1">
   <p:cSld name="Title">
     <p:spTree>
       <p:nvGrpSpPr>
@@ -521,23 +522,23 @@
       </p:grpSpPr>
       <p:sp>
         <p:nvSpPr>
-          <p:cNvPr id="11" name="Author and Date"/>
+          <p:cNvPr id="11" name="Body Level One…"/>
           <p:cNvSpPr txBox="1"/>
           <p:nvPr>
-            <p:ph type="body" sz="quarter" idx="13" hasCustomPrompt="1"/>
+            <p:ph type="body" sz="quarter" idx="1" hasCustomPrompt="1"/>
           </p:nvPr>
         </p:nvSpPr>
         <p:spPr>
           <a:xfrm>
             <a:off x="1201340" y="11859862"/>
-            <a:ext cx="21971003" cy="636979"/>
+            <a:ext cx="21971004" cy="636980"/>
           </a:xfrm>
           <a:prstGeom prst="rect">
             <a:avLst/>
           </a:prstGeom>
         </p:spPr>
         <p:txBody>
-          <a:bodyPr lIns="45719" tIns="45719" rIns="45719" bIns="45719"/>
+          <a:bodyPr lIns="45718" tIns="45718" rIns="45718" bIns="45718" numCol="1" spcCol="38100"/>
           <a:lstStyle>
             <a:lvl1pPr marL="0" indent="0" defTabSz="825500">
               <a:lnSpc>
@@ -550,11 +551,71 @@
               <a:buNone/>
               <a:defRPr b="1" sz="3600"/>
             </a:lvl1pPr>
+            <a:lvl2pPr marL="1066800" indent="-457200" defTabSz="825500">
+              <a:lnSpc>
+                <a:spcPct val="100000"/>
+              </a:lnSpc>
+              <a:spcBef>
+                <a:spcPts val="0"/>
+              </a:spcBef>
+              <a:defRPr b="1" sz="3600"/>
+            </a:lvl2pPr>
+            <a:lvl3pPr marL="1676400" indent="-457200" defTabSz="825500">
+              <a:lnSpc>
+                <a:spcPct val="100000"/>
+              </a:lnSpc>
+              <a:spcBef>
+                <a:spcPts val="0"/>
+              </a:spcBef>
+              <a:defRPr b="1" sz="3600"/>
+            </a:lvl3pPr>
+            <a:lvl4pPr marL="2286000" indent="-457200" defTabSz="825500">
+              <a:lnSpc>
+                <a:spcPct val="100000"/>
+              </a:lnSpc>
+              <a:spcBef>
+                <a:spcPts val="0"/>
+              </a:spcBef>
+              <a:defRPr b="1" sz="3600"/>
+            </a:lvl4pPr>
+            <a:lvl5pPr marL="2895600" indent="-457200" defTabSz="825500">
+              <a:lnSpc>
+                <a:spcPct val="100000"/>
+              </a:lnSpc>
+              <a:spcBef>
+                <a:spcPts val="0"/>
+              </a:spcBef>
+              <a:defRPr b="1" sz="3600"/>
+            </a:lvl5pPr>
           </a:lstStyle>
           <a:p>
             <a:pPr/>
             <a:r>
               <a:t>Author and Date</a:t>
+            </a:r>
+          </a:p>
+          <a:p>
+            <a:pPr lvl="1"/>
+            <a:r>
+              <a:t/>
+            </a:r>
+          </a:p>
+          <a:p>
+            <a:pPr lvl="2"/>
+            <a:r>
+              <a:t/>
+            </a:r>
+          </a:p>
+          <a:p>
+            <a:pPr lvl="3"/>
+            <a:r>
+              <a:t/>
+            </a:r>
+          </a:p>
+          <a:p>
+            <a:pPr lvl="4"/>
+            <a:r>
+              <a:t/>
             </a:r>
           </a:p>
         </p:txBody>
@@ -570,7 +631,7 @@
         <p:spPr>
           <a:xfrm>
             <a:off x="1206496" y="2574991"/>
-            <a:ext cx="21971004" cy="4648201"/>
+            <a:ext cx="21971005" cy="4648202"/>
           </a:xfrm>
           <a:prstGeom prst="rect">
             <a:avLst/>
@@ -596,20 +657,20 @@
           <p:cNvPr id="13" name="Body Level One…"/>
           <p:cNvSpPr txBox="1"/>
           <p:nvPr>
-            <p:ph type="body" sz="quarter" idx="1" hasCustomPrompt="1"/>
+            <p:ph type="body" sz="quarter" idx="13" hasCustomPrompt="1"/>
           </p:nvPr>
         </p:nvSpPr>
         <p:spPr>
           <a:xfrm>
             <a:off x="1201342" y="7223190"/>
-            <a:ext cx="21971001" cy="1905001"/>
+            <a:ext cx="21971002" cy="1905002"/>
           </a:xfrm>
           <a:prstGeom prst="rect">
             <a:avLst/>
           </a:prstGeom>
         </p:spPr>
         <p:txBody>
-          <a:bodyPr/>
+          <a:bodyPr numCol="1" spcCol="38100"/>
           <a:lstStyle>
             <a:lvl1pPr marL="0" indent="0" defTabSz="825500">
               <a:lnSpc>
@@ -622,79 +683,11 @@
               <a:buNone/>
               <a:defRPr b="1" sz="5500"/>
             </a:lvl1pPr>
-            <a:lvl2pPr marL="0" indent="0" defTabSz="825500">
-              <a:lnSpc>
-                <a:spcPct val="100000"/>
-              </a:lnSpc>
-              <a:spcBef>
-                <a:spcPts val="0"/>
-              </a:spcBef>
-              <a:buSzTx/>
-              <a:buNone/>
-              <a:defRPr b="1" sz="5500"/>
-            </a:lvl2pPr>
-            <a:lvl3pPr marL="0" indent="0" defTabSz="825500">
-              <a:lnSpc>
-                <a:spcPct val="100000"/>
-              </a:lnSpc>
-              <a:spcBef>
-                <a:spcPts val="0"/>
-              </a:spcBef>
-              <a:buSzTx/>
-              <a:buNone/>
-              <a:defRPr b="1" sz="5500"/>
-            </a:lvl3pPr>
-            <a:lvl4pPr marL="0" indent="0" defTabSz="825500">
-              <a:lnSpc>
-                <a:spcPct val="100000"/>
-              </a:lnSpc>
-              <a:spcBef>
-                <a:spcPts val="0"/>
-              </a:spcBef>
-              <a:buSzTx/>
-              <a:buNone/>
-              <a:defRPr b="1" sz="5500"/>
-            </a:lvl4pPr>
-            <a:lvl5pPr marL="0" indent="0" defTabSz="825500">
-              <a:lnSpc>
-                <a:spcPct val="100000"/>
-              </a:lnSpc>
-              <a:spcBef>
-                <a:spcPts val="0"/>
-              </a:spcBef>
-              <a:buSzTx/>
-              <a:buNone/>
-              <a:defRPr b="1" sz="5500"/>
-            </a:lvl5pPr>
           </a:lstStyle>
           <a:p>
             <a:pPr/>
             <a:r>
               <a:t>Presentation Subtitle</a:t>
-            </a:r>
-          </a:p>
-          <a:p>
-            <a:pPr lvl="1"/>
-            <a:r>
-              <a:t/>
-            </a:r>
-          </a:p>
-          <a:p>
-            <a:pPr lvl="2"/>
-            <a:r>
-              <a:t/>
-            </a:r>
-          </a:p>
-          <a:p>
-            <a:pPr lvl="3"/>
-            <a:r>
-              <a:t/>
-            </a:r>
-          </a:p>
-          <a:p>
-            <a:pPr lvl="4"/>
-            <a:r>
-              <a:t/>
             </a:r>
           </a:p>
         </p:txBody>
@@ -765,7 +758,7 @@
           </a:prstGeom>
         </p:spPr>
         <p:txBody>
-          <a:bodyPr anchor="ctr"/>
+          <a:bodyPr numCol="1" spcCol="38100" anchor="ctr"/>
           <a:lstStyle>
             <a:lvl1pPr marL="0" indent="0" algn="ctr">
               <a:lnSpc>
@@ -938,15 +931,15 @@
         </p:nvSpPr>
         <p:spPr>
           <a:xfrm>
-            <a:off x="1206500" y="1075927"/>
-            <a:ext cx="21971000" cy="7241584"/>
+            <a:off x="1206500" y="1075926"/>
+            <a:ext cx="21971000" cy="7241586"/>
           </a:xfrm>
           <a:prstGeom prst="rect">
             <a:avLst/>
           </a:prstGeom>
         </p:spPr>
         <p:txBody>
-          <a:bodyPr anchor="b"/>
+          <a:bodyPr numCol="1" spcCol="38100" anchor="b"/>
           <a:lstStyle>
             <a:lvl1pPr marL="0" indent="0" algn="ctr">
               <a:lnSpc>
@@ -1054,7 +1047,7 @@
           </a:prstGeom>
         </p:spPr>
         <p:txBody>
-          <a:bodyPr lIns="45719" tIns="45719" rIns="45719" bIns="45719"/>
+          <a:bodyPr lIns="45718" tIns="45718" rIns="45718" bIns="45718" numCol="1" spcCol="38100"/>
           <a:lstStyle>
             <a:lvl1pPr marL="0" indent="0" algn="ctr" defTabSz="825500">
               <a:lnSpc>
@@ -1126,23 +1119,23 @@
       </p:grpSpPr>
       <p:sp>
         <p:nvSpPr>
-          <p:cNvPr id="115" name="Attribution"/>
+          <p:cNvPr id="115" name="Body Level One…"/>
           <p:cNvSpPr txBox="1"/>
           <p:nvPr>
-            <p:ph type="body" sz="quarter" idx="13" hasCustomPrompt="1"/>
+            <p:ph type="body" sz="quarter" idx="1" hasCustomPrompt="1"/>
           </p:nvPr>
         </p:nvSpPr>
         <p:spPr>
           <a:xfrm>
-            <a:off x="2430025" y="10675453"/>
-            <a:ext cx="20200052" cy="636979"/>
+            <a:off x="2430024" y="10675453"/>
+            <a:ext cx="20200054" cy="636980"/>
           </a:xfrm>
           <a:prstGeom prst="rect">
             <a:avLst/>
           </a:prstGeom>
         </p:spPr>
         <p:txBody>
-          <a:bodyPr lIns="45719" tIns="45719" rIns="45719" bIns="45719"/>
+          <a:bodyPr lIns="45718" tIns="45718" rIns="45718" bIns="45718" numCol="1" spcCol="38100"/>
           <a:lstStyle>
             <a:lvl1pPr marL="0" indent="0" defTabSz="825500">
               <a:lnSpc>
@@ -1155,11 +1148,71 @@
               <a:buNone/>
               <a:defRPr b="1" sz="3600"/>
             </a:lvl1pPr>
+            <a:lvl2pPr marL="1066800" indent="-457200" defTabSz="825500">
+              <a:lnSpc>
+                <a:spcPct val="100000"/>
+              </a:lnSpc>
+              <a:spcBef>
+                <a:spcPts val="0"/>
+              </a:spcBef>
+              <a:defRPr b="1" sz="3600"/>
+            </a:lvl2pPr>
+            <a:lvl3pPr marL="1676400" indent="-457200" defTabSz="825500">
+              <a:lnSpc>
+                <a:spcPct val="100000"/>
+              </a:lnSpc>
+              <a:spcBef>
+                <a:spcPts val="0"/>
+              </a:spcBef>
+              <a:defRPr b="1" sz="3600"/>
+            </a:lvl3pPr>
+            <a:lvl4pPr marL="2286000" indent="-457200" defTabSz="825500">
+              <a:lnSpc>
+                <a:spcPct val="100000"/>
+              </a:lnSpc>
+              <a:spcBef>
+                <a:spcPts val="0"/>
+              </a:spcBef>
+              <a:defRPr b="1" sz="3600"/>
+            </a:lvl4pPr>
+            <a:lvl5pPr marL="2895600" indent="-457200" defTabSz="825500">
+              <a:lnSpc>
+                <a:spcPct val="100000"/>
+              </a:lnSpc>
+              <a:spcBef>
+                <a:spcPts val="0"/>
+              </a:spcBef>
+              <a:defRPr b="1" sz="3600"/>
+            </a:lvl5pPr>
           </a:lstStyle>
           <a:p>
             <a:pPr/>
             <a:r>
               <a:t>Attribution</a:t>
+            </a:r>
+          </a:p>
+          <a:p>
+            <a:pPr lvl="1"/>
+            <a:r>
+              <a:t/>
+            </a:r>
+          </a:p>
+          <a:p>
+            <a:pPr lvl="2"/>
+            <a:r>
+              <a:t/>
+            </a:r>
+          </a:p>
+          <a:p>
+            <a:pPr lvl="3"/>
+            <a:r>
+              <a:t/>
+            </a:r>
+          </a:p>
+          <a:p>
+            <a:pPr lvl="4"/>
+            <a:r>
+              <a:t/>
             </a:r>
           </a:p>
         </p:txBody>
@@ -1169,115 +1222,39 @@
           <p:cNvPr id="116" name="Body Level One…"/>
           <p:cNvSpPr txBox="1"/>
           <p:nvPr>
-            <p:ph type="body" sz="half" idx="1" hasCustomPrompt="1"/>
+            <p:ph type="body" sz="half" idx="13" hasCustomPrompt="1"/>
           </p:nvPr>
         </p:nvSpPr>
         <p:spPr>
           <a:xfrm>
             <a:off x="1753923" y="4939860"/>
-            <a:ext cx="20876154" cy="3836280"/>
+            <a:ext cx="20876154" cy="3836281"/>
           </a:xfrm>
           <a:prstGeom prst="rect">
             <a:avLst/>
           </a:prstGeom>
         </p:spPr>
         <p:txBody>
-          <a:bodyPr/>
+          <a:bodyPr numCol="1" spcCol="38100"/>
           <a:lstStyle>
-            <a:lvl1pPr marL="638923" indent="-469900">
+            <a:lvl1pPr marL="469900" indent="-300876">
               <a:spcBef>
                 <a:spcPts val="0"/>
               </a:spcBef>
               <a:buSzTx/>
               <a:buNone/>
-              <a:defRPr spc="-170" sz="8500">
+              <a:defRPr spc="-200" sz="8500">
                 <a:latin typeface="Helvetica Neue Medium"/>
                 <a:ea typeface="Helvetica Neue Medium"/>
                 <a:cs typeface="Helvetica Neue Medium"/>
                 <a:sym typeface="Helvetica Neue Medium"/>
               </a:defRPr>
             </a:lvl1pPr>
-            <a:lvl2pPr marL="638923" indent="-469900">
-              <a:spcBef>
-                <a:spcPts val="0"/>
-              </a:spcBef>
-              <a:buSzTx/>
-              <a:buNone/>
-              <a:defRPr spc="-170" sz="8500">
-                <a:latin typeface="Helvetica Neue Medium"/>
-                <a:ea typeface="Helvetica Neue Medium"/>
-                <a:cs typeface="Helvetica Neue Medium"/>
-                <a:sym typeface="Helvetica Neue Medium"/>
-              </a:defRPr>
-            </a:lvl2pPr>
-            <a:lvl3pPr marL="638923" indent="-469900">
-              <a:spcBef>
-                <a:spcPts val="0"/>
-              </a:spcBef>
-              <a:buSzTx/>
-              <a:buNone/>
-              <a:defRPr spc="-170" sz="8500">
-                <a:latin typeface="Helvetica Neue Medium"/>
-                <a:ea typeface="Helvetica Neue Medium"/>
-                <a:cs typeface="Helvetica Neue Medium"/>
-                <a:sym typeface="Helvetica Neue Medium"/>
-              </a:defRPr>
-            </a:lvl3pPr>
-            <a:lvl4pPr marL="638923" indent="-469900">
-              <a:spcBef>
-                <a:spcPts val="0"/>
-              </a:spcBef>
-              <a:buSzTx/>
-              <a:buNone/>
-              <a:defRPr spc="-170" sz="8500">
-                <a:latin typeface="Helvetica Neue Medium"/>
-                <a:ea typeface="Helvetica Neue Medium"/>
-                <a:cs typeface="Helvetica Neue Medium"/>
-                <a:sym typeface="Helvetica Neue Medium"/>
-              </a:defRPr>
-            </a:lvl4pPr>
-            <a:lvl5pPr marL="638923" indent="-469900">
-              <a:spcBef>
-                <a:spcPts val="0"/>
-              </a:spcBef>
-              <a:buSzTx/>
-              <a:buNone/>
-              <a:defRPr spc="-170" sz="8500">
-                <a:latin typeface="Helvetica Neue Medium"/>
-                <a:ea typeface="Helvetica Neue Medium"/>
-                <a:cs typeface="Helvetica Neue Medium"/>
-                <a:sym typeface="Helvetica Neue Medium"/>
-              </a:defRPr>
-            </a:lvl5pPr>
           </a:lstStyle>
           <a:p>
             <a:pPr/>
             <a:r>
               <a:t>“Notable Quote”</a:t>
-            </a:r>
-          </a:p>
-          <a:p>
-            <a:pPr lvl="1"/>
-            <a:r>
-              <a:t/>
-            </a:r>
-          </a:p>
-          <a:p>
-            <a:pPr lvl="2"/>
-            <a:r>
-              <a:t/>
-            </a:r>
-          </a:p>
-          <a:p>
-            <a:pPr lvl="3"/>
-            <a:r>
-              <a:t/>
-            </a:r>
-          </a:p>
-          <a:p>
-            <a:pPr lvl="4"/>
-            <a:r>
-              <a:t/>
             </a:r>
           </a:p>
         </p:txBody>
@@ -1348,7 +1325,7 @@
           </a:prstGeom>
         </p:spPr>
         <p:txBody>
-          <a:bodyPr lIns="91439" tIns="45719" rIns="91439" bIns="45719">
+          <a:bodyPr lIns="91439" tIns="45719" rIns="91439" bIns="45719" numCol="1" spcCol="38100">
             <a:noAutofit/>
           </a:bodyPr>
           <a:lstStyle/>
@@ -1375,7 +1352,7 @@
           </a:prstGeom>
         </p:spPr>
         <p:txBody>
-          <a:bodyPr lIns="91439" tIns="45719" rIns="91439" bIns="45719">
+          <a:bodyPr lIns="91439" tIns="45719" rIns="91439" bIns="45719" numCol="1" spcCol="38100">
             <a:noAutofit/>
           </a:bodyPr>
           <a:lstStyle/>
@@ -1402,7 +1379,7 @@
           </a:prstGeom>
         </p:spPr>
         <p:txBody>
-          <a:bodyPr lIns="91439" tIns="45719" rIns="91439" bIns="45719">
+          <a:bodyPr lIns="91439" tIns="45719" rIns="91439" bIns="45719" numCol="1" spcCol="38100">
             <a:noAutofit/>
           </a:bodyPr>
           <a:lstStyle/>
@@ -1477,7 +1454,7 @@
           </a:prstGeom>
         </p:spPr>
         <p:txBody>
-          <a:bodyPr lIns="91439" tIns="45719" rIns="91439" bIns="45719">
+          <a:bodyPr lIns="91439" tIns="45719" rIns="91439" bIns="45719" numCol="1" spcCol="38100">
             <a:noAutofit/>
           </a:bodyPr>
           <a:lstStyle/>
@@ -1608,7 +1585,7 @@
           </a:prstGeom>
         </p:spPr>
         <p:txBody>
-          <a:bodyPr lIns="91439" tIns="45719" rIns="91439" bIns="45719">
+          <a:bodyPr lIns="91439" tIns="45719" rIns="91439" bIns="45719" numCol="1" spcCol="38100">
             <a:noAutofit/>
           </a:bodyPr>
           <a:lstStyle/>
@@ -1651,23 +1628,23 @@
       </p:sp>
       <p:sp>
         <p:nvSpPr>
-          <p:cNvPr id="23" name="Author and Date"/>
+          <p:cNvPr id="23" name="Body Level One…"/>
           <p:cNvSpPr txBox="1"/>
           <p:nvPr>
-            <p:ph type="body" sz="quarter" idx="14" hasCustomPrompt="1"/>
+            <p:ph type="body" sz="quarter" idx="1" hasCustomPrompt="1"/>
           </p:nvPr>
         </p:nvSpPr>
         <p:spPr>
           <a:xfrm>
             <a:off x="1207690" y="1106137"/>
-            <a:ext cx="21968621" cy="636979"/>
+            <a:ext cx="21968621" cy="636980"/>
           </a:xfrm>
           <a:prstGeom prst="rect">
             <a:avLst/>
           </a:prstGeom>
         </p:spPr>
         <p:txBody>
-          <a:bodyPr lIns="45719" tIns="45719" rIns="45719" bIns="45719"/>
+          <a:bodyPr lIns="45718" tIns="45718" rIns="45718" bIns="45718" numCol="1" spcCol="38100"/>
           <a:lstStyle>
             <a:lvl1pPr marL="0" indent="0" defTabSz="825500">
               <a:lnSpc>
@@ -1680,6 +1657,42 @@
               <a:buNone/>
               <a:defRPr b="1" sz="3600"/>
             </a:lvl1pPr>
+            <a:lvl2pPr marL="1066800" indent="-457200" defTabSz="825500">
+              <a:lnSpc>
+                <a:spcPct val="100000"/>
+              </a:lnSpc>
+              <a:spcBef>
+                <a:spcPts val="0"/>
+              </a:spcBef>
+              <a:defRPr b="1" sz="3600"/>
+            </a:lvl2pPr>
+            <a:lvl3pPr marL="1676400" indent="-457200" defTabSz="825500">
+              <a:lnSpc>
+                <a:spcPct val="100000"/>
+              </a:lnSpc>
+              <a:spcBef>
+                <a:spcPts val="0"/>
+              </a:spcBef>
+              <a:defRPr b="1" sz="3600"/>
+            </a:lvl3pPr>
+            <a:lvl4pPr marL="2286000" indent="-457200" defTabSz="825500">
+              <a:lnSpc>
+                <a:spcPct val="100000"/>
+              </a:lnSpc>
+              <a:spcBef>
+                <a:spcPts val="0"/>
+              </a:spcBef>
+              <a:defRPr b="1" sz="3600"/>
+            </a:lvl4pPr>
+            <a:lvl5pPr marL="2895600" indent="-457200" defTabSz="825500">
+              <a:lnSpc>
+                <a:spcPct val="100000"/>
+              </a:lnSpc>
+              <a:spcBef>
+                <a:spcPts val="0"/>
+              </a:spcBef>
+              <a:defRPr b="1" sz="3600"/>
+            </a:lvl5pPr>
           </a:lstStyle>
           <a:p>
             <a:pPr/>
@@ -1687,11 +1700,178 @@
               <a:t>Author and Date</a:t>
             </a:r>
           </a:p>
+          <a:p>
+            <a:pPr lvl="1"/>
+            <a:r>
+              <a:t/>
+            </a:r>
+          </a:p>
+          <a:p>
+            <a:pPr lvl="2"/>
+            <a:r>
+              <a:t/>
+            </a:r>
+          </a:p>
+          <a:p>
+            <a:pPr lvl="3"/>
+            <a:r>
+              <a:t/>
+            </a:r>
+          </a:p>
+          <a:p>
+            <a:pPr lvl="4"/>
+            <a:r>
+              <a:t/>
+            </a:r>
+          </a:p>
         </p:txBody>
       </p:sp>
       <p:sp>
         <p:nvSpPr>
           <p:cNvPr id="24" name="Body Level One…"/>
+          <p:cNvSpPr txBox="1"/>
+          <p:nvPr>
+            <p:ph type="body" sz="quarter" idx="14" hasCustomPrompt="1"/>
+          </p:nvPr>
+        </p:nvSpPr>
+        <p:spPr>
+          <a:xfrm>
+            <a:off x="1206500" y="11609909"/>
+            <a:ext cx="21971000" cy="1116953"/>
+          </a:xfrm>
+          <a:prstGeom prst="rect">
+            <a:avLst/>
+          </a:prstGeom>
+        </p:spPr>
+        <p:txBody>
+          <a:bodyPr numCol="1" spcCol="38100"/>
+          <a:lstStyle>
+            <a:lvl1pPr marL="0" indent="0" defTabSz="825500">
+              <a:lnSpc>
+                <a:spcPct val="100000"/>
+              </a:lnSpc>
+              <a:spcBef>
+                <a:spcPts val="0"/>
+              </a:spcBef>
+              <a:buSzTx/>
+              <a:buNone/>
+              <a:defRPr b="1" sz="5500"/>
+            </a:lvl1pPr>
+          </a:lstStyle>
+          <a:p>
+            <a:pPr/>
+            <a:r>
+              <a:t>Presentation Subtitle</a:t>
+            </a:r>
+          </a:p>
+        </p:txBody>
+      </p:sp>
+      <p:sp>
+        <p:nvSpPr>
+          <p:cNvPr id="25" name="Slide Number"/>
+          <p:cNvSpPr txBox="1"/>
+          <p:nvPr>
+            <p:ph type="sldNum" sz="quarter" idx="2"/>
+          </p:nvPr>
+        </p:nvSpPr>
+        <p:spPr>
+          <a:prstGeom prst="rect">
+            <a:avLst/>
+          </a:prstGeom>
+        </p:spPr>
+        <p:txBody>
+          <a:bodyPr/>
+          <a:lstStyle/>
+          <a:p>
+            <a:pPr/>
+            <a:fld id="{86CB4B4D-7CA3-9044-876B-883B54F8677D}" type="slidenum"/>
+          </a:p>
+        </p:txBody>
+      </p:sp>
+    </p:spTree>
+  </p:cSld>
+  <p:clrMapOvr>
+    <a:masterClrMapping/>
+  </p:clrMapOvr>
+  <p:transition xmlns:p14="http://schemas.microsoft.com/office/powerpoint/2010/main" spd="med" advClick="1"/>
+</p:sldLayout>
+</file>
+
+<file path=ppt/slideLayouts/slideLayout3.xml><?xml version="1.0" encoding="utf-8"?>
+<p:sldLayout xmlns:a="http://schemas.openxmlformats.org/drawingml/2006/main" xmlns:r="http://schemas.openxmlformats.org/officeDocument/2006/relationships" xmlns:p="http://schemas.openxmlformats.org/presentationml/2006/main" xmlns:m="http://schemas.openxmlformats.org/officeDocument/2006/math" xmlns:a14="http://schemas.microsoft.com/office/drawing/2010/main" type="tx" showMasterSp="1" showMasterPhAnim="1">
+  <p:cSld name="Title &amp; Photo Alt">
+    <p:spTree>
+      <p:nvGrpSpPr>
+        <p:cNvPr id="1" name=""/>
+        <p:cNvGrpSpPr/>
+        <p:nvPr/>
+      </p:nvGrpSpPr>
+      <p:grpSpPr>
+        <a:xfrm>
+          <a:off x="0" y="0"/>
+          <a:ext cx="0" cy="0"/>
+          <a:chOff x="0" y="0"/>
+          <a:chExt cx="0" cy="0"/>
+        </a:xfrm>
+      </p:grpSpPr>
+      <p:sp>
+        <p:nvSpPr>
+          <p:cNvPr id="32" name="910457886_1434x1669.jpg"/>
+          <p:cNvSpPr/>
+          <p:nvPr>
+            <p:ph type="pic" idx="13"/>
+          </p:nvPr>
+        </p:nvSpPr>
+        <p:spPr>
+          <a:xfrm>
+            <a:off x="10972800" y="-203200"/>
+            <a:ext cx="12144837" cy="14135100"/>
+          </a:xfrm>
+          <a:prstGeom prst="rect">
+            <a:avLst/>
+          </a:prstGeom>
+        </p:spPr>
+        <p:txBody>
+          <a:bodyPr lIns="91439" tIns="45719" rIns="91439" bIns="45719" numCol="1" spcCol="38100">
+            <a:noAutofit/>
+          </a:bodyPr>
+          <a:lstStyle/>
+          <a:p>
+            <a:pPr/>
+          </a:p>
+        </p:txBody>
+      </p:sp>
+      <p:sp>
+        <p:nvSpPr>
+          <p:cNvPr id="33" name="Slide Title"/>
+          <p:cNvSpPr txBox="1"/>
+          <p:nvPr>
+            <p:ph type="title" hasCustomPrompt="1"/>
+          </p:nvPr>
+        </p:nvSpPr>
+        <p:spPr>
+          <a:xfrm>
+            <a:off x="1206500" y="1270000"/>
+            <a:ext cx="9779000" cy="5882274"/>
+          </a:xfrm>
+          <a:prstGeom prst="rect">
+            <a:avLst/>
+          </a:prstGeom>
+        </p:spPr>
+        <p:txBody>
+          <a:bodyPr anchor="b"/>
+          <a:lstStyle/>
+          <a:p>
+            <a:pPr/>
+            <a:r>
+              <a:t>Slide Title</a:t>
+            </a:r>
+          </a:p>
+        </p:txBody>
+      </p:sp>
+      <p:sp>
+        <p:nvSpPr>
+          <p:cNvPr id="34" name="Body Level One…"/>
           <p:cNvSpPr txBox="1"/>
           <p:nvPr>
             <p:ph type="body" sz="quarter" idx="1" hasCustomPrompt="1"/>
@@ -1699,15 +1879,15 @@
         </p:nvSpPr>
         <p:spPr>
           <a:xfrm>
-            <a:off x="1206500" y="11609910"/>
-            <a:ext cx="21971000" cy="1116952"/>
+            <a:off x="1206500" y="7060576"/>
+            <a:ext cx="9779000" cy="5385424"/>
           </a:xfrm>
           <a:prstGeom prst="rect">
             <a:avLst/>
           </a:prstGeom>
         </p:spPr>
         <p:txBody>
-          <a:bodyPr/>
+          <a:bodyPr numCol="1" spcCol="38100"/>
           <a:lstStyle>
             <a:lvl1pPr marL="0" indent="0" defTabSz="825500">
               <a:lnSpc>
@@ -1768,217 +1948,6 @@
           <a:p>
             <a:pPr/>
             <a:r>
-              <a:t>Presentation Subtitle</a:t>
-            </a:r>
-          </a:p>
-          <a:p>
-            <a:pPr lvl="1"/>
-            <a:r>
-              <a:t/>
-            </a:r>
-          </a:p>
-          <a:p>
-            <a:pPr lvl="2"/>
-            <a:r>
-              <a:t/>
-            </a:r>
-          </a:p>
-          <a:p>
-            <a:pPr lvl="3"/>
-            <a:r>
-              <a:t/>
-            </a:r>
-          </a:p>
-          <a:p>
-            <a:pPr lvl="4"/>
-            <a:r>
-              <a:t/>
-            </a:r>
-          </a:p>
-        </p:txBody>
-      </p:sp>
-      <p:sp>
-        <p:nvSpPr>
-          <p:cNvPr id="25" name="Slide Number"/>
-          <p:cNvSpPr txBox="1"/>
-          <p:nvPr>
-            <p:ph type="sldNum" sz="quarter" idx="2"/>
-          </p:nvPr>
-        </p:nvSpPr>
-        <p:spPr>
-          <a:prstGeom prst="rect">
-            <a:avLst/>
-          </a:prstGeom>
-        </p:spPr>
-        <p:txBody>
-          <a:bodyPr/>
-          <a:lstStyle/>
-          <a:p>
-            <a:pPr/>
-            <a:fld id="{86CB4B4D-7CA3-9044-876B-883B54F8677D}" type="slidenum"/>
-          </a:p>
-        </p:txBody>
-      </p:sp>
-    </p:spTree>
-  </p:cSld>
-  <p:clrMapOvr>
-    <a:masterClrMapping/>
-  </p:clrMapOvr>
-  <p:transition xmlns:p14="http://schemas.microsoft.com/office/powerpoint/2010/main" spd="med" advClick="1"/>
-</p:sldLayout>
-</file>
-
-<file path=ppt/slideLayouts/slideLayout3.xml><?xml version="1.0" encoding="utf-8"?>
-<p:sldLayout xmlns:a="http://schemas.openxmlformats.org/drawingml/2006/main" xmlns:r="http://schemas.openxmlformats.org/officeDocument/2006/relationships" xmlns:p="http://schemas.openxmlformats.org/presentationml/2006/main" xmlns:m="http://schemas.openxmlformats.org/officeDocument/2006/math" xmlns:a14="http://schemas.microsoft.com/office/drawing/2010/main" type="tx" showMasterSp="1" showMasterPhAnim="1">
-  <p:cSld name="Title &amp; Photo Alt">
-    <p:spTree>
-      <p:nvGrpSpPr>
-        <p:cNvPr id="1" name=""/>
-        <p:cNvGrpSpPr/>
-        <p:nvPr/>
-      </p:nvGrpSpPr>
-      <p:grpSpPr>
-        <a:xfrm>
-          <a:off x="0" y="0"/>
-          <a:ext cx="0" cy="0"/>
-          <a:chOff x="0" y="0"/>
-          <a:chExt cx="0" cy="0"/>
-        </a:xfrm>
-      </p:grpSpPr>
-      <p:sp>
-        <p:nvSpPr>
-          <p:cNvPr id="32" name="910457886_1434x1669.jpg"/>
-          <p:cNvSpPr/>
-          <p:nvPr>
-            <p:ph type="pic" idx="13"/>
-          </p:nvPr>
-        </p:nvSpPr>
-        <p:spPr>
-          <a:xfrm>
-            <a:off x="10972800" y="-203200"/>
-            <a:ext cx="12144837" cy="14135100"/>
-          </a:xfrm>
-          <a:prstGeom prst="rect">
-            <a:avLst/>
-          </a:prstGeom>
-        </p:spPr>
-        <p:txBody>
-          <a:bodyPr lIns="91439" tIns="45719" rIns="91439" bIns="45719">
-            <a:noAutofit/>
-          </a:bodyPr>
-          <a:lstStyle/>
-          <a:p>
-            <a:pPr/>
-          </a:p>
-        </p:txBody>
-      </p:sp>
-      <p:sp>
-        <p:nvSpPr>
-          <p:cNvPr id="33" name="Slide Title"/>
-          <p:cNvSpPr txBox="1"/>
-          <p:nvPr>
-            <p:ph type="title" hasCustomPrompt="1"/>
-          </p:nvPr>
-        </p:nvSpPr>
-        <p:spPr>
-          <a:xfrm>
-            <a:off x="1206500" y="1270000"/>
-            <a:ext cx="9779000" cy="5882273"/>
-          </a:xfrm>
-          <a:prstGeom prst="rect">
-            <a:avLst/>
-          </a:prstGeom>
-        </p:spPr>
-        <p:txBody>
-          <a:bodyPr anchor="b"/>
-          <a:lstStyle/>
-          <a:p>
-            <a:pPr/>
-            <a:r>
-              <a:t>Slide Title</a:t>
-            </a:r>
-          </a:p>
-        </p:txBody>
-      </p:sp>
-      <p:sp>
-        <p:nvSpPr>
-          <p:cNvPr id="34" name="Body Level One…"/>
-          <p:cNvSpPr txBox="1"/>
-          <p:nvPr>
-            <p:ph type="body" sz="quarter" idx="1" hasCustomPrompt="1"/>
-          </p:nvPr>
-        </p:nvSpPr>
-        <p:spPr>
-          <a:xfrm>
-            <a:off x="1206500" y="7060576"/>
-            <a:ext cx="9779000" cy="5385424"/>
-          </a:xfrm>
-          <a:prstGeom prst="rect">
-            <a:avLst/>
-          </a:prstGeom>
-        </p:spPr>
-        <p:txBody>
-          <a:bodyPr/>
-          <a:lstStyle>
-            <a:lvl1pPr marL="0" indent="0" defTabSz="825500">
-              <a:lnSpc>
-                <a:spcPct val="100000"/>
-              </a:lnSpc>
-              <a:spcBef>
-                <a:spcPts val="0"/>
-              </a:spcBef>
-              <a:buSzTx/>
-              <a:buNone/>
-              <a:defRPr b="1" sz="5500"/>
-            </a:lvl1pPr>
-            <a:lvl2pPr marL="0" indent="0" defTabSz="825500">
-              <a:lnSpc>
-                <a:spcPct val="100000"/>
-              </a:lnSpc>
-              <a:spcBef>
-                <a:spcPts val="0"/>
-              </a:spcBef>
-              <a:buSzTx/>
-              <a:buNone/>
-              <a:defRPr b="1" sz="5500"/>
-            </a:lvl2pPr>
-            <a:lvl3pPr marL="0" indent="0" defTabSz="825500">
-              <a:lnSpc>
-                <a:spcPct val="100000"/>
-              </a:lnSpc>
-              <a:spcBef>
-                <a:spcPts val="0"/>
-              </a:spcBef>
-              <a:buSzTx/>
-              <a:buNone/>
-              <a:defRPr b="1" sz="5500"/>
-            </a:lvl3pPr>
-            <a:lvl4pPr marL="0" indent="0" defTabSz="825500">
-              <a:lnSpc>
-                <a:spcPct val="100000"/>
-              </a:lnSpc>
-              <a:spcBef>
-                <a:spcPts val="0"/>
-              </a:spcBef>
-              <a:buSzTx/>
-              <a:buNone/>
-              <a:defRPr b="1" sz="5500"/>
-            </a:lvl4pPr>
-            <a:lvl5pPr marL="0" indent="0" defTabSz="825500">
-              <a:lnSpc>
-                <a:spcPct val="100000"/>
-              </a:lnSpc>
-              <a:spcBef>
-                <a:spcPts val="0"/>
-              </a:spcBef>
-              <a:buSzTx/>
-              <a:buNone/>
-              <a:defRPr b="1" sz="5500"/>
-            </a:lvl5pPr>
-          </a:lstStyle>
-          <a:p>
-            <a:pPr/>
-            <a:r>
               <a:t>Slide Subtitle</a:t>
             </a:r>
           </a:p>
@@ -2069,6 +2038,10 @@
           </p:nvPr>
         </p:nvSpPr>
         <p:spPr>
+          <a:xfrm>
+            <a:off x="1206500" y="1079500"/>
+            <a:ext cx="21971000" cy="1433164"/>
+          </a:xfrm>
           <a:prstGeom prst="rect">
             <a:avLst/>
           </a:prstGeom>
@@ -2086,23 +2059,23 @@
       </p:sp>
       <p:sp>
         <p:nvSpPr>
-          <p:cNvPr id="43" name="Slide Subtitle"/>
+          <p:cNvPr id="43" name="Body Level One…"/>
           <p:cNvSpPr txBox="1"/>
           <p:nvPr>
-            <p:ph type="body" sz="quarter" idx="13" hasCustomPrompt="1"/>
+            <p:ph type="body" sz="quarter" idx="1" hasCustomPrompt="1"/>
           </p:nvPr>
         </p:nvSpPr>
         <p:spPr>
           <a:xfrm>
-            <a:off x="1206500" y="2372962"/>
-            <a:ext cx="21971000" cy="934780"/>
+            <a:off x="1206500" y="2372961"/>
+            <a:ext cx="21971000" cy="934781"/>
           </a:xfrm>
           <a:prstGeom prst="rect">
             <a:avLst/>
           </a:prstGeom>
         </p:spPr>
         <p:txBody>
-          <a:bodyPr lIns="45719" tIns="45719" rIns="45719" bIns="45719"/>
+          <a:bodyPr lIns="45718" tIns="45718" rIns="45718" bIns="45718" numCol="1" spcCol="38100"/>
           <a:lstStyle>
             <a:lvl1pPr marL="0" indent="0" defTabSz="825500">
               <a:lnSpc>
@@ -2115,11 +2088,71 @@
               <a:buNone/>
               <a:defRPr b="1" sz="5500"/>
             </a:lvl1pPr>
+            <a:lvl2pPr marL="1308100" indent="-698500" defTabSz="825500">
+              <a:lnSpc>
+                <a:spcPct val="100000"/>
+              </a:lnSpc>
+              <a:spcBef>
+                <a:spcPts val="0"/>
+              </a:spcBef>
+              <a:defRPr b="1" sz="5500"/>
+            </a:lvl2pPr>
+            <a:lvl3pPr marL="1917700" indent="-698500" defTabSz="825500">
+              <a:lnSpc>
+                <a:spcPct val="100000"/>
+              </a:lnSpc>
+              <a:spcBef>
+                <a:spcPts val="0"/>
+              </a:spcBef>
+              <a:defRPr b="1" sz="5500"/>
+            </a:lvl3pPr>
+            <a:lvl4pPr marL="2527300" indent="-698500" defTabSz="825500">
+              <a:lnSpc>
+                <a:spcPct val="100000"/>
+              </a:lnSpc>
+              <a:spcBef>
+                <a:spcPts val="0"/>
+              </a:spcBef>
+              <a:defRPr b="1" sz="5500"/>
+            </a:lvl4pPr>
+            <a:lvl5pPr marL="3136900" indent="-698500" defTabSz="825500">
+              <a:lnSpc>
+                <a:spcPct val="100000"/>
+              </a:lnSpc>
+              <a:spcBef>
+                <a:spcPts val="0"/>
+              </a:spcBef>
+              <a:defRPr b="1" sz="5500"/>
+            </a:lvl5pPr>
           </a:lstStyle>
           <a:p>
             <a:pPr/>
             <a:r>
               <a:t>Slide Subtitle</a:t>
+            </a:r>
+          </a:p>
+          <a:p>
+            <a:pPr lvl="1"/>
+            <a:r>
+              <a:t/>
+            </a:r>
+          </a:p>
+          <a:p>
+            <a:pPr lvl="2"/>
+            <a:r>
+              <a:t/>
+            </a:r>
+          </a:p>
+          <a:p>
+            <a:pPr lvl="3"/>
+            <a:r>
+              <a:t/>
+            </a:r>
+          </a:p>
+          <a:p>
+            <a:pPr lvl="4"/>
+            <a:r>
+              <a:t/>
             </a:r>
           </a:p>
         </p:txBody>
@@ -2129,7 +2162,7 @@
           <p:cNvPr id="44" name="Body Level One…"/>
           <p:cNvSpPr txBox="1"/>
           <p:nvPr>
-            <p:ph type="body" idx="1" hasCustomPrompt="1"/>
+            <p:ph type="body" idx="13" hasCustomPrompt="1"/>
           </p:nvPr>
         </p:nvSpPr>
         <p:spPr>
@@ -2138,36 +2171,12 @@
           </a:prstGeom>
         </p:spPr>
         <p:txBody>
-          <a:bodyPr/>
+          <a:bodyPr numCol="1" spcCol="38100"/>
           <a:lstStyle/>
           <a:p>
             <a:pPr/>
             <a:r>
               <a:t>Slide bullet text</a:t>
-            </a:r>
-          </a:p>
-          <a:p>
-            <a:pPr lvl="1"/>
-            <a:r>
-              <a:t/>
-            </a:r>
-          </a:p>
-          <a:p>
-            <a:pPr lvl="2"/>
-            <a:r>
-              <a:t/>
-            </a:r>
-          </a:p>
-          <a:p>
-            <a:pPr lvl="3"/>
-            <a:r>
-              <a:t/>
-            </a:r>
-          </a:p>
-          <a:p>
-            <a:pPr lvl="4"/>
-            <a:r>
-              <a:t/>
             </a:r>
           </a:p>
         </p:txBody>
@@ -2234,7 +2243,7 @@
           </a:prstGeom>
         </p:spPr>
         <p:txBody>
-          <a:bodyPr numCol="2" spcCol="1098550"/>
+          <a:bodyPr/>
           <a:lstStyle/>
           <a:p>
             <a:pPr/>
@@ -2318,23 +2327,23 @@
       </p:grpSpPr>
       <p:sp>
         <p:nvSpPr>
-          <p:cNvPr id="60" name="Slide Subtitle"/>
+          <p:cNvPr id="60" name="Body Level One…"/>
           <p:cNvSpPr txBox="1"/>
           <p:nvPr>
-            <p:ph type="body" sz="quarter" idx="13" hasCustomPrompt="1"/>
+            <p:ph type="body" sz="quarter" idx="1" hasCustomPrompt="1"/>
           </p:nvPr>
         </p:nvSpPr>
         <p:spPr>
           <a:xfrm>
-            <a:off x="1206500" y="2372962"/>
-            <a:ext cx="9779000" cy="934780"/>
+            <a:off x="1206500" y="2372961"/>
+            <a:ext cx="9779000" cy="934781"/>
           </a:xfrm>
           <a:prstGeom prst="rect">
             <a:avLst/>
           </a:prstGeom>
         </p:spPr>
         <p:txBody>
-          <a:bodyPr lIns="45719" tIns="45719" rIns="45719" bIns="45719"/>
+          <a:bodyPr lIns="45718" tIns="45718" rIns="45718" bIns="45718" numCol="1" spcCol="38100"/>
           <a:lstStyle>
             <a:lvl1pPr marL="0" indent="0" defTabSz="825500">
               <a:lnSpc>
@@ -2347,11 +2356,71 @@
               <a:buNone/>
               <a:defRPr b="1" sz="5500"/>
             </a:lvl1pPr>
+            <a:lvl2pPr marL="1308100" indent="-698500" defTabSz="825500">
+              <a:lnSpc>
+                <a:spcPct val="100000"/>
+              </a:lnSpc>
+              <a:spcBef>
+                <a:spcPts val="0"/>
+              </a:spcBef>
+              <a:defRPr b="1" sz="5500"/>
+            </a:lvl2pPr>
+            <a:lvl3pPr marL="1917700" indent="-698500" defTabSz="825500">
+              <a:lnSpc>
+                <a:spcPct val="100000"/>
+              </a:lnSpc>
+              <a:spcBef>
+                <a:spcPts val="0"/>
+              </a:spcBef>
+              <a:defRPr b="1" sz="5500"/>
+            </a:lvl3pPr>
+            <a:lvl4pPr marL="2527300" indent="-698500" defTabSz="825500">
+              <a:lnSpc>
+                <a:spcPct val="100000"/>
+              </a:lnSpc>
+              <a:spcBef>
+                <a:spcPts val="0"/>
+              </a:spcBef>
+              <a:defRPr b="1" sz="5500"/>
+            </a:lvl4pPr>
+            <a:lvl5pPr marL="3136900" indent="-698500" defTabSz="825500">
+              <a:lnSpc>
+                <a:spcPct val="100000"/>
+              </a:lnSpc>
+              <a:spcBef>
+                <a:spcPts val="0"/>
+              </a:spcBef>
+              <a:defRPr b="1" sz="5500"/>
+            </a:lvl5pPr>
           </a:lstStyle>
           <a:p>
             <a:pPr/>
             <a:r>
               <a:t>Slide Subtitle</a:t>
+            </a:r>
+          </a:p>
+          <a:p>
+            <a:pPr lvl="1"/>
+            <a:r>
+              <a:t/>
+            </a:r>
+          </a:p>
+          <a:p>
+            <a:pPr lvl="2"/>
+            <a:r>
+              <a:t/>
+            </a:r>
+          </a:p>
+          <a:p>
+            <a:pPr lvl="3"/>
+            <a:r>
+              <a:t/>
+            </a:r>
+          </a:p>
+          <a:p>
+            <a:pPr lvl="4"/>
+            <a:r>
+              <a:t/>
             </a:r>
           </a:p>
         </p:txBody>
@@ -2361,49 +2430,25 @@
           <p:cNvPr id="61" name="Body Level One…"/>
           <p:cNvSpPr txBox="1"/>
           <p:nvPr>
-            <p:ph type="body" sz="half" idx="1" hasCustomPrompt="1"/>
+            <p:ph type="body" sz="half" idx="13" hasCustomPrompt="1"/>
           </p:nvPr>
         </p:nvSpPr>
         <p:spPr>
           <a:xfrm>
-            <a:off x="1206500" y="4248504"/>
-            <a:ext cx="9779000" cy="8256630"/>
+            <a:off x="1206500" y="4248503"/>
+            <a:ext cx="9779000" cy="8256631"/>
           </a:xfrm>
           <a:prstGeom prst="rect">
             <a:avLst/>
           </a:prstGeom>
         </p:spPr>
         <p:txBody>
-          <a:bodyPr/>
+          <a:bodyPr numCol="1" spcCol="38100"/>
           <a:lstStyle/>
           <a:p>
             <a:pPr/>
             <a:r>
               <a:t>Slide bullet text</a:t>
-            </a:r>
-          </a:p>
-          <a:p>
-            <a:pPr lvl="1"/>
-            <a:r>
-              <a:t/>
-            </a:r>
-          </a:p>
-          <a:p>
-            <a:pPr lvl="2"/>
-            <a:r>
-              <a:t/>
-            </a:r>
-          </a:p>
-          <a:p>
-            <a:pPr lvl="3"/>
-            <a:r>
-              <a:t/>
-            </a:r>
-          </a:p>
-          <a:p>
-            <a:pPr lvl="4"/>
-            <a:r>
-              <a:t/>
             </a:r>
           </a:p>
         </p:txBody>
@@ -2419,14 +2464,14 @@
         <p:spPr>
           <a:xfrm>
             <a:off x="12192000" y="-407266"/>
-            <a:ext cx="10916874" cy="14555832"/>
+            <a:ext cx="10916874" cy="14555833"/>
           </a:xfrm>
           <a:prstGeom prst="rect">
             <a:avLst/>
           </a:prstGeom>
         </p:spPr>
         <p:txBody>
-          <a:bodyPr lIns="91439" tIns="45719" rIns="91439" bIns="45719">
+          <a:bodyPr lIns="91439" tIns="45719" rIns="91439" bIns="45719" numCol="1" spcCol="38100">
             <a:noAutofit/>
           </a:bodyPr>
           <a:lstStyle/>
@@ -2522,7 +2567,7 @@
         <p:spPr>
           <a:xfrm>
             <a:off x="1206496" y="4533900"/>
-            <a:ext cx="21971004" cy="4648200"/>
+            <a:ext cx="21971005" cy="4648200"/>
           </a:xfrm>
           <a:prstGeom prst="rect">
             <a:avLst/>
@@ -2611,7 +2656,7 @@
         <p:spPr>
           <a:xfrm>
             <a:off x="1206500" y="1079500"/>
-            <a:ext cx="21971000" cy="1434949"/>
+            <a:ext cx="21971000" cy="1434950"/>
           </a:xfrm>
           <a:prstGeom prst="rect">
             <a:avLst/>
@@ -2630,23 +2675,23 @@
       </p:sp>
       <p:sp>
         <p:nvSpPr>
-          <p:cNvPr id="80" name="Slide Subtitle"/>
+          <p:cNvPr id="80" name="Body Level One…"/>
           <p:cNvSpPr txBox="1"/>
           <p:nvPr>
-            <p:ph type="body" sz="quarter" idx="13" hasCustomPrompt="1"/>
+            <p:ph type="body" sz="quarter" idx="1" hasCustomPrompt="1"/>
           </p:nvPr>
         </p:nvSpPr>
         <p:spPr>
           <a:xfrm>
-            <a:off x="1206500" y="2372962"/>
-            <a:ext cx="21971000" cy="934780"/>
+            <a:off x="1206500" y="2372961"/>
+            <a:ext cx="21971000" cy="934781"/>
           </a:xfrm>
           <a:prstGeom prst="rect">
             <a:avLst/>
           </a:prstGeom>
         </p:spPr>
         <p:txBody>
-          <a:bodyPr lIns="45719" tIns="45719" rIns="45719" bIns="45719"/>
+          <a:bodyPr lIns="45718" tIns="45718" rIns="45718" bIns="45718" numCol="1" spcCol="38100"/>
           <a:lstStyle>
             <a:lvl1pPr marL="0" indent="0" defTabSz="825500">
               <a:lnSpc>
@@ -2659,11 +2704,71 @@
               <a:buNone/>
               <a:defRPr b="1" sz="5500"/>
             </a:lvl1pPr>
+            <a:lvl2pPr marL="1308100" indent="-698500" defTabSz="825500">
+              <a:lnSpc>
+                <a:spcPct val="100000"/>
+              </a:lnSpc>
+              <a:spcBef>
+                <a:spcPts val="0"/>
+              </a:spcBef>
+              <a:defRPr b="1" sz="5500"/>
+            </a:lvl2pPr>
+            <a:lvl3pPr marL="1917700" indent="-698500" defTabSz="825500">
+              <a:lnSpc>
+                <a:spcPct val="100000"/>
+              </a:lnSpc>
+              <a:spcBef>
+                <a:spcPts val="0"/>
+              </a:spcBef>
+              <a:defRPr b="1" sz="5500"/>
+            </a:lvl3pPr>
+            <a:lvl4pPr marL="2527300" indent="-698500" defTabSz="825500">
+              <a:lnSpc>
+                <a:spcPct val="100000"/>
+              </a:lnSpc>
+              <a:spcBef>
+                <a:spcPts val="0"/>
+              </a:spcBef>
+              <a:defRPr b="1" sz="5500"/>
+            </a:lvl4pPr>
+            <a:lvl5pPr marL="3136900" indent="-698500" defTabSz="825500">
+              <a:lnSpc>
+                <a:spcPct val="100000"/>
+              </a:lnSpc>
+              <a:spcBef>
+                <a:spcPts val="0"/>
+              </a:spcBef>
+              <a:defRPr b="1" sz="5500"/>
+            </a:lvl5pPr>
           </a:lstStyle>
           <a:p>
             <a:pPr/>
             <a:r>
               <a:t>Slide Subtitle</a:t>
+            </a:r>
+          </a:p>
+          <a:p>
+            <a:pPr lvl="1"/>
+            <a:r>
+              <a:t/>
+            </a:r>
+          </a:p>
+          <a:p>
+            <a:pPr lvl="2"/>
+            <a:r>
+              <a:t/>
+            </a:r>
+          </a:p>
+          <a:p>
+            <a:pPr lvl="3"/>
+            <a:r>
+              <a:t/>
+            </a:r>
+          </a:p>
+          <a:p>
+            <a:pPr lvl="4"/>
+            <a:r>
+              <a:t/>
             </a:r>
           </a:p>
         </p:txBody>
@@ -2746,23 +2851,23 @@
       </p:sp>
       <p:sp>
         <p:nvSpPr>
-          <p:cNvPr id="89" name="Agenda Subtitle"/>
+          <p:cNvPr id="89" name="Body Level One…"/>
           <p:cNvSpPr txBox="1"/>
           <p:nvPr>
-            <p:ph type="body" sz="quarter" idx="13" hasCustomPrompt="1"/>
+            <p:ph type="body" sz="quarter" idx="1" hasCustomPrompt="1"/>
           </p:nvPr>
         </p:nvSpPr>
         <p:spPr>
           <a:xfrm>
-            <a:off x="1206500" y="2372962"/>
-            <a:ext cx="21971000" cy="934780"/>
+            <a:off x="1206500" y="2372961"/>
+            <a:ext cx="21971000" cy="934781"/>
           </a:xfrm>
           <a:prstGeom prst="rect">
             <a:avLst/>
           </a:prstGeom>
         </p:spPr>
         <p:txBody>
-          <a:bodyPr lIns="45719" tIns="45719" rIns="45719" bIns="45719"/>
+          <a:bodyPr lIns="45718" tIns="45718" rIns="45718" bIns="45718" numCol="1" spcCol="38100"/>
           <a:lstStyle>
             <a:lvl1pPr marL="0" indent="0" defTabSz="825500">
               <a:lnSpc>
@@ -2775,11 +2880,71 @@
               <a:buNone/>
               <a:defRPr b="1" sz="5500"/>
             </a:lvl1pPr>
+            <a:lvl2pPr marL="1308100" indent="-698500" defTabSz="825500">
+              <a:lnSpc>
+                <a:spcPct val="100000"/>
+              </a:lnSpc>
+              <a:spcBef>
+                <a:spcPts val="0"/>
+              </a:spcBef>
+              <a:defRPr b="1" sz="5500"/>
+            </a:lvl2pPr>
+            <a:lvl3pPr marL="1917700" indent="-698500" defTabSz="825500">
+              <a:lnSpc>
+                <a:spcPct val="100000"/>
+              </a:lnSpc>
+              <a:spcBef>
+                <a:spcPts val="0"/>
+              </a:spcBef>
+              <a:defRPr b="1" sz="5500"/>
+            </a:lvl3pPr>
+            <a:lvl4pPr marL="2527300" indent="-698500" defTabSz="825500">
+              <a:lnSpc>
+                <a:spcPct val="100000"/>
+              </a:lnSpc>
+              <a:spcBef>
+                <a:spcPts val="0"/>
+              </a:spcBef>
+              <a:defRPr b="1" sz="5500"/>
+            </a:lvl4pPr>
+            <a:lvl5pPr marL="3136900" indent="-698500" defTabSz="825500">
+              <a:lnSpc>
+                <a:spcPct val="100000"/>
+              </a:lnSpc>
+              <a:spcBef>
+                <a:spcPts val="0"/>
+              </a:spcBef>
+              <a:defRPr b="1" sz="5500"/>
+            </a:lvl5pPr>
           </a:lstStyle>
           <a:p>
             <a:pPr/>
             <a:r>
               <a:t>Agenda Subtitle</a:t>
+            </a:r>
+          </a:p>
+          <a:p>
+            <a:pPr lvl="1"/>
+            <a:r>
+              <a:t/>
+            </a:r>
+          </a:p>
+          <a:p>
+            <a:pPr lvl="2"/>
+            <a:r>
+              <a:t/>
+            </a:r>
+          </a:p>
+          <a:p>
+            <a:pPr lvl="3"/>
+            <a:r>
+              <a:t/>
+            </a:r>
+          </a:p>
+          <a:p>
+            <a:pPr lvl="4"/>
+            <a:r>
+              <a:t/>
             </a:r>
           </a:p>
         </p:txBody>
@@ -2789,7 +2954,7 @@
           <p:cNvPr id="90" name="Body Level One…"/>
           <p:cNvSpPr txBox="1"/>
           <p:nvPr>
-            <p:ph type="body" idx="1" hasCustomPrompt="1"/>
+            <p:ph type="body" idx="13" hasCustomPrompt="1"/>
           </p:nvPr>
         </p:nvSpPr>
         <p:spPr>
@@ -2798,7 +2963,7 @@
           </a:prstGeom>
         </p:spPr>
         <p:txBody>
-          <a:bodyPr/>
+          <a:bodyPr numCol="1" spcCol="38100"/>
           <a:lstStyle>
             <a:lvl1pPr marL="0" indent="0" defTabSz="825500">
               <a:lnSpc>
@@ -2809,81 +2974,13 @@
               </a:spcBef>
               <a:buSzTx/>
               <a:buNone/>
-              <a:defRPr spc="-55" sz="5500"/>
+              <a:defRPr spc="-99" sz="5500"/>
             </a:lvl1pPr>
-            <a:lvl2pPr marL="0" indent="0" defTabSz="825500">
-              <a:lnSpc>
-                <a:spcPct val="100000"/>
-              </a:lnSpc>
-              <a:spcBef>
-                <a:spcPts val="1800"/>
-              </a:spcBef>
-              <a:buSzTx/>
-              <a:buNone/>
-              <a:defRPr spc="-55" sz="5500"/>
-            </a:lvl2pPr>
-            <a:lvl3pPr marL="0" indent="0" defTabSz="825500">
-              <a:lnSpc>
-                <a:spcPct val="100000"/>
-              </a:lnSpc>
-              <a:spcBef>
-                <a:spcPts val="1800"/>
-              </a:spcBef>
-              <a:buSzTx/>
-              <a:buNone/>
-              <a:defRPr spc="-55" sz="5500"/>
-            </a:lvl3pPr>
-            <a:lvl4pPr marL="0" indent="0" defTabSz="825500">
-              <a:lnSpc>
-                <a:spcPct val="100000"/>
-              </a:lnSpc>
-              <a:spcBef>
-                <a:spcPts val="1800"/>
-              </a:spcBef>
-              <a:buSzTx/>
-              <a:buNone/>
-              <a:defRPr spc="-55" sz="5500"/>
-            </a:lvl4pPr>
-            <a:lvl5pPr marL="0" indent="0" defTabSz="825500">
-              <a:lnSpc>
-                <a:spcPct val="100000"/>
-              </a:lnSpc>
-              <a:spcBef>
-                <a:spcPts val="1800"/>
-              </a:spcBef>
-              <a:buSzTx/>
-              <a:buNone/>
-              <a:defRPr spc="-55" sz="5500"/>
-            </a:lvl5pPr>
           </a:lstStyle>
           <a:p>
             <a:pPr/>
             <a:r>
               <a:t>Agenda Topics</a:t>
-            </a:r>
-          </a:p>
-          <a:p>
-            <a:pPr lvl="1"/>
-            <a:r>
-              <a:t/>
-            </a:r>
-          </a:p>
-          <a:p>
-            <a:pPr lvl="2"/>
-            <a:r>
-              <a:t/>
-            </a:r>
-          </a:p>
-          <a:p>
-            <a:pPr lvl="3"/>
-            <a:r>
-              <a:t/>
-            </a:r>
-          </a:p>
-          <a:p>
-            <a:pPr lvl="4"/>
-            <a:r>
-              <a:t/>
             </a:r>
           </a:p>
         </p:txBody>
@@ -2945,16 +3042,16 @@
       </p:grpSpPr>
       <p:sp>
         <p:nvSpPr>
-          <p:cNvPr id="2" name="Slide Title"/>
+          <p:cNvPr id="2" name="Body Level One…"/>
           <p:cNvSpPr txBox="1"/>
           <p:nvPr>
-            <p:ph type="title" hasCustomPrompt="1"/>
+            <p:ph type="body" idx="1" hasCustomPrompt="1"/>
           </p:nvPr>
         </p:nvSpPr>
         <p:spPr>
           <a:xfrm>
-            <a:off x="1206500" y="1079500"/>
-            <a:ext cx="21971000" cy="1433163"/>
+            <a:off x="1206500" y="4248503"/>
+            <a:ext cx="21971000" cy="8256014"/>
           </a:xfrm>
           <a:prstGeom prst="rect">
             <a:avLst/>
@@ -2969,30 +3066,54 @@
           </a:extLst>
         </p:spPr>
         <p:txBody>
-          <a:bodyPr lIns="50800" tIns="50800" rIns="50800" bIns="50800">
+          <a:bodyPr lIns="50800" tIns="50800" rIns="50800" bIns="50800" numCol="2" spcCol="1098550">
             <a:normAutofit fontScale="100000" lnSpcReduction="0"/>
           </a:bodyPr>
           <a:lstStyle/>
           <a:p>
             <a:pPr/>
             <a:r>
-              <a:t>Slide Title</a:t>
-            </a:r>
-          </a:p>
-        </p:txBody>
-      </p:sp>
-      <p:sp>
-        <p:nvSpPr>
-          <p:cNvPr id="3" name="Body Level One…"/>
+              <a:t>Slide bullet text</a:t>
+            </a:r>
+          </a:p>
+          <a:p>
+            <a:pPr lvl="1"/>
+            <a:r>
+              <a:t/>
+            </a:r>
+          </a:p>
+          <a:p>
+            <a:pPr lvl="2"/>
+            <a:r>
+              <a:t/>
+            </a:r>
+          </a:p>
+          <a:p>
+            <a:pPr lvl="3"/>
+            <a:r>
+              <a:t/>
+            </a:r>
+          </a:p>
+          <a:p>
+            <a:pPr lvl="4"/>
+            <a:r>
+              <a:t/>
+            </a:r>
+          </a:p>
+        </p:txBody>
+      </p:sp>
+      <p:sp>
+        <p:nvSpPr>
+          <p:cNvPr id="3" name="Title Text"/>
           <p:cNvSpPr txBox="1"/>
           <p:nvPr>
-            <p:ph type="body" idx="1" hasCustomPrompt="1"/>
+            <p:ph type="title"/>
           </p:nvPr>
         </p:nvSpPr>
         <p:spPr>
           <a:xfrm>
-            <a:off x="1206500" y="4248504"/>
-            <a:ext cx="21971000" cy="8256012"/>
+            <a:off x="3653366" y="2743200"/>
+            <a:ext cx="19507201" cy="1505304"/>
           </a:xfrm>
           <a:prstGeom prst="rect">
             <a:avLst/>
@@ -3014,31 +3135,7 @@
           <a:p>
             <a:pPr/>
             <a:r>
-              <a:t>Slide bullet text</a:t>
-            </a:r>
-          </a:p>
-          <a:p>
-            <a:pPr lvl="1"/>
-            <a:r>
-              <a:t/>
-            </a:r>
-          </a:p>
-          <a:p>
-            <a:pPr lvl="2"/>
-            <a:r>
-              <a:t/>
-            </a:r>
-          </a:p>
-          <a:p>
-            <a:pPr lvl="3"/>
-            <a:r>
-              <a:t/>
-            </a:r>
-          </a:p>
-          <a:p>
-            <a:pPr lvl="4"/>
-            <a:r>
-              <a:t/>
+              <a:t>Title Text</a:t>
             </a:r>
           </a:p>
         </p:txBody>
@@ -3107,7 +3204,7 @@
   <p:transition xmlns:p14="http://schemas.microsoft.com/office/powerpoint/2010/main" spd="med" advClick="1"/>
   <p:txStyles>
     <p:titleStyle>
-      <a:lvl1pPr marL="0" marR="0" indent="0" algn="l" defTabSz="2438338" rtl="0" latinLnBrk="0">
+      <a:lvl1pPr marL="0" marR="0" indent="0" algn="l" defTabSz="2438337" rtl="0" latinLnBrk="0">
         <a:lnSpc>
           <a:spcPct val="80000"/>
         </a:lnSpc>
@@ -3127,13 +3224,13 @@
             <a:srgbClr val="000000"/>
           </a:solidFill>
           <a:uFillTx/>
-          <a:latin typeface="+mn-lt"/>
-          <a:ea typeface="+mn-ea"/>
-          <a:cs typeface="+mn-cs"/>
+          <a:latin typeface="+mj-lt"/>
+          <a:ea typeface="+mj-ea"/>
+          <a:cs typeface="+mj-cs"/>
           <a:sym typeface="Helvetica Neue"/>
         </a:defRPr>
       </a:lvl1pPr>
-      <a:lvl2pPr marL="0" marR="0" indent="0" algn="l" defTabSz="2438338" rtl="0" latinLnBrk="0">
+      <a:lvl2pPr marL="0" marR="0" indent="0" algn="l" defTabSz="2438337" rtl="0" latinLnBrk="0">
         <a:lnSpc>
           <a:spcPct val="80000"/>
         </a:lnSpc>
@@ -3153,13 +3250,13 @@
             <a:srgbClr val="000000"/>
           </a:solidFill>
           <a:uFillTx/>
-          <a:latin typeface="+mn-lt"/>
-          <a:ea typeface="+mn-ea"/>
-          <a:cs typeface="+mn-cs"/>
+          <a:latin typeface="+mj-lt"/>
+          <a:ea typeface="+mj-ea"/>
+          <a:cs typeface="+mj-cs"/>
           <a:sym typeface="Helvetica Neue"/>
         </a:defRPr>
       </a:lvl2pPr>
-      <a:lvl3pPr marL="0" marR="0" indent="0" algn="l" defTabSz="2438338" rtl="0" latinLnBrk="0">
+      <a:lvl3pPr marL="0" marR="0" indent="0" algn="l" defTabSz="2438337" rtl="0" latinLnBrk="0">
         <a:lnSpc>
           <a:spcPct val="80000"/>
         </a:lnSpc>
@@ -3179,13 +3276,13 @@
             <a:srgbClr val="000000"/>
           </a:solidFill>
           <a:uFillTx/>
-          <a:latin typeface="+mn-lt"/>
-          <a:ea typeface="+mn-ea"/>
-          <a:cs typeface="+mn-cs"/>
+          <a:latin typeface="+mj-lt"/>
+          <a:ea typeface="+mj-ea"/>
+          <a:cs typeface="+mj-cs"/>
           <a:sym typeface="Helvetica Neue"/>
         </a:defRPr>
       </a:lvl3pPr>
-      <a:lvl4pPr marL="0" marR="0" indent="0" algn="l" defTabSz="2438338" rtl="0" latinLnBrk="0">
+      <a:lvl4pPr marL="0" marR="0" indent="0" algn="l" defTabSz="2438337" rtl="0" latinLnBrk="0">
         <a:lnSpc>
           <a:spcPct val="80000"/>
         </a:lnSpc>
@@ -3205,13 +3302,13 @@
             <a:srgbClr val="000000"/>
           </a:solidFill>
           <a:uFillTx/>
-          <a:latin typeface="+mn-lt"/>
-          <a:ea typeface="+mn-ea"/>
-          <a:cs typeface="+mn-cs"/>
+          <a:latin typeface="+mj-lt"/>
+          <a:ea typeface="+mj-ea"/>
+          <a:cs typeface="+mj-cs"/>
           <a:sym typeface="Helvetica Neue"/>
         </a:defRPr>
       </a:lvl4pPr>
-      <a:lvl5pPr marL="0" marR="0" indent="0" algn="l" defTabSz="2438338" rtl="0" latinLnBrk="0">
+      <a:lvl5pPr marL="0" marR="0" indent="0" algn="l" defTabSz="2438337" rtl="0" latinLnBrk="0">
         <a:lnSpc>
           <a:spcPct val="80000"/>
         </a:lnSpc>
@@ -3231,13 +3328,13 @@
             <a:srgbClr val="000000"/>
           </a:solidFill>
           <a:uFillTx/>
-          <a:latin typeface="+mn-lt"/>
-          <a:ea typeface="+mn-ea"/>
-          <a:cs typeface="+mn-cs"/>
+          <a:latin typeface="+mj-lt"/>
+          <a:ea typeface="+mj-ea"/>
+          <a:cs typeface="+mj-cs"/>
           <a:sym typeface="Helvetica Neue"/>
         </a:defRPr>
       </a:lvl5pPr>
-      <a:lvl6pPr marL="0" marR="0" indent="0" algn="l" defTabSz="2438338" rtl="0" latinLnBrk="0">
+      <a:lvl6pPr marL="0" marR="0" indent="0" algn="l" defTabSz="2438337" rtl="0" latinLnBrk="0">
         <a:lnSpc>
           <a:spcPct val="80000"/>
         </a:lnSpc>
@@ -3257,13 +3354,13 @@
             <a:srgbClr val="000000"/>
           </a:solidFill>
           <a:uFillTx/>
-          <a:latin typeface="+mn-lt"/>
-          <a:ea typeface="+mn-ea"/>
-          <a:cs typeface="+mn-cs"/>
+          <a:latin typeface="+mj-lt"/>
+          <a:ea typeface="+mj-ea"/>
+          <a:cs typeface="+mj-cs"/>
           <a:sym typeface="Helvetica Neue"/>
         </a:defRPr>
       </a:lvl6pPr>
-      <a:lvl7pPr marL="0" marR="0" indent="0" algn="l" defTabSz="2438338" rtl="0" latinLnBrk="0">
+      <a:lvl7pPr marL="0" marR="0" indent="0" algn="l" defTabSz="2438337" rtl="0" latinLnBrk="0">
         <a:lnSpc>
           <a:spcPct val="80000"/>
         </a:lnSpc>
@@ -3283,13 +3380,13 @@
             <a:srgbClr val="000000"/>
           </a:solidFill>
           <a:uFillTx/>
-          <a:latin typeface="+mn-lt"/>
-          <a:ea typeface="+mn-ea"/>
-          <a:cs typeface="+mn-cs"/>
+          <a:latin typeface="+mj-lt"/>
+          <a:ea typeface="+mj-ea"/>
+          <a:cs typeface="+mj-cs"/>
           <a:sym typeface="Helvetica Neue"/>
         </a:defRPr>
       </a:lvl7pPr>
-      <a:lvl8pPr marL="0" marR="0" indent="0" algn="l" defTabSz="2438338" rtl="0" latinLnBrk="0">
+      <a:lvl8pPr marL="0" marR="0" indent="0" algn="l" defTabSz="2438337" rtl="0" latinLnBrk="0">
         <a:lnSpc>
           <a:spcPct val="80000"/>
         </a:lnSpc>
@@ -3309,13 +3406,13 @@
             <a:srgbClr val="000000"/>
           </a:solidFill>
           <a:uFillTx/>
-          <a:latin typeface="+mn-lt"/>
-          <a:ea typeface="+mn-ea"/>
-          <a:cs typeface="+mn-cs"/>
+          <a:latin typeface="+mj-lt"/>
+          <a:ea typeface="+mj-ea"/>
+          <a:cs typeface="+mj-cs"/>
           <a:sym typeface="Helvetica Neue"/>
         </a:defRPr>
       </a:lvl8pPr>
-      <a:lvl9pPr marL="0" marR="0" indent="0" algn="l" defTabSz="2438338" rtl="0" latinLnBrk="0">
+      <a:lvl9pPr marL="0" marR="0" indent="0" algn="l" defTabSz="2438337" rtl="0" latinLnBrk="0">
         <a:lnSpc>
           <a:spcPct val="80000"/>
         </a:lnSpc>
@@ -3335,15 +3432,15 @@
             <a:srgbClr val="000000"/>
           </a:solidFill>
           <a:uFillTx/>
-          <a:latin typeface="+mn-lt"/>
-          <a:ea typeface="+mn-ea"/>
-          <a:cs typeface="+mn-cs"/>
+          <a:latin typeface="+mj-lt"/>
+          <a:ea typeface="+mj-ea"/>
+          <a:cs typeface="+mj-cs"/>
           <a:sym typeface="Helvetica Neue"/>
         </a:defRPr>
       </a:lvl9pPr>
     </p:titleStyle>
     <p:bodyStyle>
-      <a:lvl1pPr marL="609600" marR="0" indent="-609600" algn="l" defTabSz="2438338" rtl="0" latinLnBrk="0">
+      <a:lvl1pPr marL="609600" marR="0" indent="-609600" algn="l" defTabSz="2438337" rtl="0" latinLnBrk="0">
         <a:lnSpc>
           <a:spcPct val="90000"/>
         </a:lnSpc>
@@ -3363,13 +3460,13 @@
             <a:srgbClr val="000000"/>
           </a:solidFill>
           <a:uFillTx/>
-          <a:latin typeface="+mn-lt"/>
-          <a:ea typeface="+mn-ea"/>
-          <a:cs typeface="+mn-cs"/>
+          <a:latin typeface="+mj-lt"/>
+          <a:ea typeface="+mj-ea"/>
+          <a:cs typeface="+mj-cs"/>
           <a:sym typeface="Helvetica Neue"/>
         </a:defRPr>
       </a:lvl1pPr>
-      <a:lvl2pPr marL="1219200" marR="0" indent="-609600" algn="l" defTabSz="2438338" rtl="0" latinLnBrk="0">
+      <a:lvl2pPr marL="1219200" marR="0" indent="-609600" algn="l" defTabSz="2438337" rtl="0" latinLnBrk="0">
         <a:lnSpc>
           <a:spcPct val="90000"/>
         </a:lnSpc>
@@ -3389,13 +3486,13 @@
             <a:srgbClr val="000000"/>
           </a:solidFill>
           <a:uFillTx/>
-          <a:latin typeface="+mn-lt"/>
-          <a:ea typeface="+mn-ea"/>
-          <a:cs typeface="+mn-cs"/>
+          <a:latin typeface="+mj-lt"/>
+          <a:ea typeface="+mj-ea"/>
+          <a:cs typeface="+mj-cs"/>
           <a:sym typeface="Helvetica Neue"/>
         </a:defRPr>
       </a:lvl2pPr>
-      <a:lvl3pPr marL="1828800" marR="0" indent="-609600" algn="l" defTabSz="2438338" rtl="0" latinLnBrk="0">
+      <a:lvl3pPr marL="1828800" marR="0" indent="-609600" algn="l" defTabSz="2438337" rtl="0" latinLnBrk="0">
         <a:lnSpc>
           <a:spcPct val="90000"/>
         </a:lnSpc>
@@ -3415,13 +3512,13 @@
             <a:srgbClr val="000000"/>
           </a:solidFill>
           <a:uFillTx/>
-          <a:latin typeface="+mn-lt"/>
-          <a:ea typeface="+mn-ea"/>
-          <a:cs typeface="+mn-cs"/>
+          <a:latin typeface="+mj-lt"/>
+          <a:ea typeface="+mj-ea"/>
+          <a:cs typeface="+mj-cs"/>
           <a:sym typeface="Helvetica Neue"/>
         </a:defRPr>
       </a:lvl3pPr>
-      <a:lvl4pPr marL="2438400" marR="0" indent="-609600" algn="l" defTabSz="2438338" rtl="0" latinLnBrk="0">
+      <a:lvl4pPr marL="2438400" marR="0" indent="-609600" algn="l" defTabSz="2438337" rtl="0" latinLnBrk="0">
         <a:lnSpc>
           <a:spcPct val="90000"/>
         </a:lnSpc>
@@ -3441,13 +3538,13 @@
             <a:srgbClr val="000000"/>
           </a:solidFill>
           <a:uFillTx/>
-          <a:latin typeface="+mn-lt"/>
-          <a:ea typeface="+mn-ea"/>
-          <a:cs typeface="+mn-cs"/>
+          <a:latin typeface="+mj-lt"/>
+          <a:ea typeface="+mj-ea"/>
+          <a:cs typeface="+mj-cs"/>
           <a:sym typeface="Helvetica Neue"/>
         </a:defRPr>
       </a:lvl4pPr>
-      <a:lvl5pPr marL="3048000" marR="0" indent="-609600" algn="l" defTabSz="2438338" rtl="0" latinLnBrk="0">
+      <a:lvl5pPr marL="3048000" marR="0" indent="-609600" algn="l" defTabSz="2438337" rtl="0" latinLnBrk="0">
         <a:lnSpc>
           <a:spcPct val="90000"/>
         </a:lnSpc>
@@ -3467,13 +3564,13 @@
             <a:srgbClr val="000000"/>
           </a:solidFill>
           <a:uFillTx/>
-          <a:latin typeface="+mn-lt"/>
-          <a:ea typeface="+mn-ea"/>
-          <a:cs typeface="+mn-cs"/>
+          <a:latin typeface="+mj-lt"/>
+          <a:ea typeface="+mj-ea"/>
+          <a:cs typeface="+mj-cs"/>
           <a:sym typeface="Helvetica Neue"/>
         </a:defRPr>
       </a:lvl5pPr>
-      <a:lvl6pPr marL="3657600" marR="0" indent="-609600" algn="l" defTabSz="2438338" rtl="0" latinLnBrk="0">
+      <a:lvl6pPr marL="3657600" marR="0" indent="-609600" algn="l" defTabSz="2438337" rtl="0" latinLnBrk="0">
         <a:lnSpc>
           <a:spcPct val="90000"/>
         </a:lnSpc>
@@ -3493,13 +3590,13 @@
             <a:srgbClr val="000000"/>
           </a:solidFill>
           <a:uFillTx/>
-          <a:latin typeface="+mn-lt"/>
-          <a:ea typeface="+mn-ea"/>
-          <a:cs typeface="+mn-cs"/>
+          <a:latin typeface="+mj-lt"/>
+          <a:ea typeface="+mj-ea"/>
+          <a:cs typeface="+mj-cs"/>
           <a:sym typeface="Helvetica Neue"/>
         </a:defRPr>
       </a:lvl6pPr>
-      <a:lvl7pPr marL="4267200" marR="0" indent="-609600" algn="l" defTabSz="2438338" rtl="0" latinLnBrk="0">
+      <a:lvl7pPr marL="4267200" marR="0" indent="-609600" algn="l" defTabSz="2438337" rtl="0" latinLnBrk="0">
         <a:lnSpc>
           <a:spcPct val="90000"/>
         </a:lnSpc>
@@ -3519,13 +3616,13 @@
             <a:srgbClr val="000000"/>
           </a:solidFill>
           <a:uFillTx/>
-          <a:latin typeface="+mn-lt"/>
-          <a:ea typeface="+mn-ea"/>
-          <a:cs typeface="+mn-cs"/>
+          <a:latin typeface="+mj-lt"/>
+          <a:ea typeface="+mj-ea"/>
+          <a:cs typeface="+mj-cs"/>
           <a:sym typeface="Helvetica Neue"/>
         </a:defRPr>
       </a:lvl7pPr>
-      <a:lvl8pPr marL="4876800" marR="0" indent="-609600" algn="l" defTabSz="2438338" rtl="0" latinLnBrk="0">
+      <a:lvl8pPr marL="4876800" marR="0" indent="-609600" algn="l" defTabSz="2438337" rtl="0" latinLnBrk="0">
         <a:lnSpc>
           <a:spcPct val="90000"/>
         </a:lnSpc>
@@ -3545,13 +3642,13 @@
             <a:srgbClr val="000000"/>
           </a:solidFill>
           <a:uFillTx/>
-          <a:latin typeface="+mn-lt"/>
-          <a:ea typeface="+mn-ea"/>
-          <a:cs typeface="+mn-cs"/>
+          <a:latin typeface="+mj-lt"/>
+          <a:ea typeface="+mj-ea"/>
+          <a:cs typeface="+mj-cs"/>
           <a:sym typeface="Helvetica Neue"/>
         </a:defRPr>
       </a:lvl8pPr>
-      <a:lvl9pPr marL="5486400" marR="0" indent="-609600" algn="l" defTabSz="2438338" rtl="0" latinLnBrk="0">
+      <a:lvl9pPr marL="5486400" marR="0" indent="-609600" algn="l" defTabSz="2438337" rtl="0" latinLnBrk="0">
         <a:lnSpc>
           <a:spcPct val="90000"/>
         </a:lnSpc>
@@ -3571,9 +3668,9 @@
             <a:srgbClr val="000000"/>
           </a:solidFill>
           <a:uFillTx/>
-          <a:latin typeface="+mn-lt"/>
-          <a:ea typeface="+mn-ea"/>
-          <a:cs typeface="+mn-cs"/>
+          <a:latin typeface="+mj-lt"/>
+          <a:ea typeface="+mj-ea"/>
+          <a:cs typeface="+mj-cs"/>
           <a:sym typeface="Helvetica Neue"/>
         </a:defRPr>
       </a:lvl9pPr>
@@ -3840,22 +3937,17 @@
           <p:cNvPr id="151" name="Embla, Louise, och Emma"/>
           <p:cNvSpPr txBox="1"/>
           <p:nvPr>
-            <p:ph type="body" idx="13"/>
+            <p:ph type="body" sz="quarter" idx="1"/>
           </p:nvPr>
         </p:nvSpPr>
         <p:spPr>
           <a:xfrm>
-            <a:off x="1669877" y="11839048"/>
-            <a:ext cx="21971003" cy="636979"/>
+            <a:off x="1669878" y="11839047"/>
+            <a:ext cx="21971002" cy="636980"/>
           </a:xfrm>
           <a:prstGeom prst="rect">
             <a:avLst/>
           </a:prstGeom>
-          <a:extLst>
-            <a:ext uri="{C572A759-6A51-4108-AA02-DFA0A04FC94B}">
-              <ma14:wrappingTextBoxFlag xmlns:ma14="http://schemas.microsoft.com/office/mac/drawingml/2011/main" val="1"/>
-            </a:ext>
-          </a:extLst>
         </p:spPr>
         <p:txBody>
           <a:bodyPr/>
@@ -3863,7 +3955,7 @@
           <a:p>
             <a:pPr/>
             <a:r>
-              <a:t>Embla, Louise, och Emma</a:t>
+              <a:t>Embla, Louise och Emma</a:t>
             </a:r>
           </a:p>
         </p:txBody>
@@ -3887,7 +3979,7 @@
         <p:spPr>
           <a:xfrm>
             <a:off x="9522999" y="-79224"/>
-            <a:ext cx="14008503" cy="13874448"/>
+            <a:ext cx="14008504" cy="13874448"/>
           </a:xfrm>
           <a:prstGeom prst="rect">
             <a:avLst/>
@@ -3905,7 +3997,7 @@
         </p:nvSpPr>
         <p:spPr>
           <a:xfrm>
-            <a:off x="1865288" y="4935250"/>
+            <a:off x="1865288" y="4935249"/>
             <a:ext cx="5453381" cy="1632582"/>
           </a:xfrm>
           <a:prstGeom prst="rect">
@@ -3971,42 +4063,52 @@
           <a:chExt cx="0" cy="0"/>
         </a:xfrm>
       </p:grpSpPr>
-      <p:sp>
-        <p:nvSpPr>
-          <p:cNvPr id="189" name="Projektarbete"/>
+      <p:pic>
+        <p:nvPicPr>
+          <p:cNvPr id="189" name="Screenshot 2020-04-03 at 11.15.51.png" descr="Screenshot 2020-04-03 at 11.15.51.png"/>
+          <p:cNvPicPr>
+            <a:picLocks noChangeAspect="1"/>
+          </p:cNvPicPr>
+          <p:nvPr/>
+        </p:nvPicPr>
+        <p:blipFill>
+          <a:blip r:embed="rId2">
+            <a:extLst/>
+          </a:blip>
+          <a:stretch>
+            <a:fillRect/>
+          </a:stretch>
+        </p:blipFill>
+        <p:spPr>
+          <a:xfrm>
+            <a:off x="1246328" y="1797163"/>
+            <a:ext cx="21891343" cy="14148006"/>
+          </a:xfrm>
+          <a:prstGeom prst="rect">
+            <a:avLst/>
+          </a:prstGeom>
+          <a:ln w="12700">
+            <a:miter lim="400000"/>
+          </a:ln>
+        </p:spPr>
+      </p:pic>
+      <p:sp>
+        <p:nvSpPr>
+          <p:cNvPr id="190" name="Products"/>
           <p:cNvSpPr txBox="1"/>
-          <p:nvPr>
-            <p:ph type="title"/>
-          </p:nvPr>
-        </p:nvSpPr>
-        <p:spPr>
-          <a:prstGeom prst="rect">
-            <a:avLst/>
-          </a:prstGeom>
-        </p:spPr>
-        <p:txBody>
-          <a:bodyPr/>
-          <a:lstStyle/>
-          <a:p>
-            <a:pPr/>
-            <a:r>
-              <a:t>Projektarbete</a:t>
-            </a:r>
-          </a:p>
-        </p:txBody>
-      </p:sp>
-      <p:sp>
-        <p:nvSpPr>
-          <p:cNvPr id="190" name="-"/>
-          <p:cNvSpPr txBox="1"/>
-          <p:nvPr>
-            <p:ph type="body" idx="13"/>
-          </p:nvPr>
-        </p:nvSpPr>
-        <p:spPr>
-          <a:prstGeom prst="rect">
-            <a:avLst/>
-          </a:prstGeom>
+          <p:nvPr/>
+        </p:nvSpPr>
+        <p:spPr>
+          <a:xfrm>
+            <a:off x="10764519" y="523993"/>
+            <a:ext cx="2854961" cy="857881"/>
+          </a:xfrm>
+          <a:prstGeom prst="rect">
+            <a:avLst/>
+          </a:prstGeom>
+          <a:ln w="12700">
+            <a:miter lim="400000"/>
+          </a:ln>
           <a:extLst>
             <a:ext uri="{C572A759-6A51-4108-AA02-DFA0A04FC94B}">
               <ma14:wrappingTextBoxFlag xmlns:ma14="http://schemas.microsoft.com/office/mac/drawingml/2011/main" val="1"/>
@@ -4014,42 +4116,24 @@
           </a:extLst>
         </p:spPr>
         <p:txBody>
-          <a:bodyPr/>
-          <a:lstStyle/>
-          <a:p>
-            <a:pPr/>
-            <a:r>
-              <a:t>-</a:t>
-            </a:r>
-          </a:p>
-        </p:txBody>
-      </p:sp>
-      <p:sp>
-        <p:nvSpPr>
-          <p:cNvPr id="191" name="Påverkade av tidspress…"/>
-          <p:cNvSpPr txBox="1"/>
-          <p:nvPr>
-            <p:ph type="body" idx="1"/>
-          </p:nvPr>
-        </p:nvSpPr>
-        <p:spPr>
-          <a:prstGeom prst="rect">
-            <a:avLst/>
-          </a:prstGeom>
-        </p:spPr>
-        <p:txBody>
-          <a:bodyPr/>
-          <a:lstStyle/>
-          <a:p>
-            <a:pPr/>
-            <a:r>
-              <a:t>Påverkade av tidspress</a:t>
-            </a:r>
-          </a:p>
-          <a:p>
-            <a:pPr/>
-            <a:r>
-              <a:t>Uppdelning utdelad efter erfarenhet, för att spara tid</a:t>
+          <a:bodyPr wrap="none" lIns="50800" tIns="50800" rIns="50800" bIns="50800" anchor="ctr">
+            <a:spAutoFit/>
+          </a:bodyPr>
+          <a:lstStyle>
+            <a:lvl1pPr defTabSz="825500">
+              <a:lnSpc>
+                <a:spcPct val="100000"/>
+              </a:lnSpc>
+              <a:spcBef>
+                <a:spcPts val="0"/>
+              </a:spcBef>
+              <a:defRPr b="1" sz="5000"/>
+            </a:lvl1pPr>
+          </a:lstStyle>
+          <a:p>
+            <a:pPr/>
+            <a:r>
+              <a:t>Products</a:t>
             </a:r>
           </a:p>
         </p:txBody>
@@ -4082,7 +4166,7 @@
       </p:grpSpPr>
       <p:sp>
         <p:nvSpPr>
-          <p:cNvPr id="193" name="Projektarbete"/>
+          <p:cNvPr id="192" name="Projektarbete"/>
           <p:cNvSpPr txBox="1"/>
           <p:nvPr>
             <p:ph type="title"/>
@@ -4095,18 +4179,50 @@
         </p:spPr>
         <p:txBody>
           <a:bodyPr/>
+          <a:lstStyle>
+            <a:lvl1pPr>
+              <a:defRPr spc="-200"/>
+            </a:lvl1pPr>
+          </a:lstStyle>
+          <a:p>
+            <a:pPr/>
+            <a:r>
+              <a:t>Projektarbete</a:t>
+            </a:r>
+          </a:p>
+        </p:txBody>
+      </p:sp>
+      <p:sp>
+        <p:nvSpPr>
+          <p:cNvPr id="193" name="-"/>
+          <p:cNvSpPr txBox="1"/>
+          <p:nvPr>
+            <p:ph type="body" sz="quarter" idx="1"/>
+          </p:nvPr>
+        </p:nvSpPr>
+        <p:spPr>
+          <a:xfrm>
+            <a:off x="1206500" y="2372961"/>
+            <a:ext cx="21971000" cy="934780"/>
+          </a:xfrm>
+          <a:prstGeom prst="rect">
+            <a:avLst/>
+          </a:prstGeom>
+        </p:spPr>
+        <p:txBody>
+          <a:bodyPr/>
           <a:lstStyle/>
           <a:p>
             <a:pPr/>
             <a:r>
-              <a:t>Projektarbete</a:t>
-            </a:r>
-          </a:p>
-        </p:txBody>
-      </p:sp>
-      <p:sp>
-        <p:nvSpPr>
-          <p:cNvPr id="194" name="+"/>
+              <a:t>-</a:t>
+            </a:r>
+          </a:p>
+        </p:txBody>
+      </p:sp>
+      <p:sp>
+        <p:nvSpPr>
+          <p:cNvPr id="194" name="Påverkade av tidspress…"/>
           <p:cNvSpPr txBox="1"/>
           <p:nvPr>
             <p:ph type="body" idx="13"/>
@@ -4128,55 +4244,13 @@
           <a:p>
             <a:pPr/>
             <a:r>
-              <a:t>+</a:t>
-            </a:r>
-          </a:p>
-        </p:txBody>
-      </p:sp>
-      <p:sp>
-        <p:nvSpPr>
-          <p:cNvPr id="195" name="Enbart arbetat remote och det har gått bra…"/>
-          <p:cNvSpPr txBox="1"/>
-          <p:nvPr>
-            <p:ph type="body" idx="1"/>
-          </p:nvPr>
-        </p:nvSpPr>
-        <p:spPr>
-          <a:prstGeom prst="rect">
-            <a:avLst/>
-          </a:prstGeom>
-        </p:spPr>
-        <p:txBody>
-          <a:bodyPr/>
-          <a:lstStyle/>
-          <a:p>
-            <a:pPr/>
-            <a:r>
-              <a:t>Enbart arbetat remote och det har gått bra</a:t>
-            </a:r>
-          </a:p>
-          <a:p>
-            <a:pPr/>
-            <a:r>
-              <a:t>Bra kommunikation</a:t>
-            </a:r>
-          </a:p>
-          <a:p>
-            <a:pPr/>
-            <a:r>
-              <a:t>Dagliga möten och kontakt över teams</a:t>
-            </a:r>
-          </a:p>
-          <a:p>
-            <a:pPr/>
-            <a:r>
-              <a:t>Gott samarbete</a:t>
-            </a:r>
-          </a:p>
-          <a:p>
-            <a:pPr/>
-            <a:r>
-              <a:t>God energi</a:t>
+              <a:t>Påverkade av tidspress</a:t>
+            </a:r>
+          </a:p>
+          <a:p>
+            <a:pPr/>
+            <a:r>
+              <a:t>Uppdelning utdelad efter erfarenhet, för att spara tid</a:t>
             </a:r>
           </a:p>
         </p:txBody>
@@ -4209,7 +4283,7 @@
       </p:grpSpPr>
       <p:sp>
         <p:nvSpPr>
-          <p:cNvPr id="197" name="DEMO"/>
+          <p:cNvPr id="196" name="Projektarbete"/>
           <p:cNvSpPr txBox="1"/>
           <p:nvPr>
             <p:ph type="title"/>
@@ -4222,7 +4296,146 @@
         </p:spPr>
         <p:txBody>
           <a:bodyPr/>
+          <a:lstStyle>
+            <a:lvl1pPr>
+              <a:defRPr spc="-200"/>
+            </a:lvl1pPr>
+          </a:lstStyle>
+          <a:p>
+            <a:pPr/>
+            <a:r>
+              <a:t>Projektarbete</a:t>
+            </a:r>
+          </a:p>
+        </p:txBody>
+      </p:sp>
+      <p:sp>
+        <p:nvSpPr>
+          <p:cNvPr id="197" name="+"/>
+          <p:cNvSpPr txBox="1"/>
+          <p:nvPr>
+            <p:ph type="body" sz="quarter" idx="1"/>
+          </p:nvPr>
+        </p:nvSpPr>
+        <p:spPr>
+          <a:xfrm>
+            <a:off x="1206500" y="2372961"/>
+            <a:ext cx="21971000" cy="934780"/>
+          </a:xfrm>
+          <a:prstGeom prst="rect">
+            <a:avLst/>
+          </a:prstGeom>
+        </p:spPr>
+        <p:txBody>
+          <a:bodyPr/>
           <a:lstStyle/>
+          <a:p>
+            <a:pPr/>
+            <a:r>
+              <a:t>+</a:t>
+            </a:r>
+          </a:p>
+        </p:txBody>
+      </p:sp>
+      <p:sp>
+        <p:nvSpPr>
+          <p:cNvPr id="198" name="Enbart arbetat remote och det har gått bra…"/>
+          <p:cNvSpPr txBox="1"/>
+          <p:nvPr>
+            <p:ph type="body" idx="13"/>
+          </p:nvPr>
+        </p:nvSpPr>
+        <p:spPr>
+          <a:prstGeom prst="rect">
+            <a:avLst/>
+          </a:prstGeom>
+          <a:extLst>
+            <a:ext uri="{C572A759-6A51-4108-AA02-DFA0A04FC94B}">
+              <ma14:wrappingTextBoxFlag xmlns:ma14="http://schemas.microsoft.com/office/mac/drawingml/2011/main" val="1"/>
+            </a:ext>
+          </a:extLst>
+        </p:spPr>
+        <p:txBody>
+          <a:bodyPr/>
+          <a:lstStyle/>
+          <a:p>
+            <a:pPr/>
+            <a:r>
+              <a:t>Enbart arbetat remote och det har gått bra</a:t>
+            </a:r>
+          </a:p>
+          <a:p>
+            <a:pPr/>
+            <a:r>
+              <a:t>Bra kommunikation</a:t>
+            </a:r>
+          </a:p>
+          <a:p>
+            <a:pPr/>
+            <a:r>
+              <a:t>Dagliga möten och kontakt över teams</a:t>
+            </a:r>
+          </a:p>
+          <a:p>
+            <a:pPr/>
+            <a:r>
+              <a:t>Gott samarbete</a:t>
+            </a:r>
+          </a:p>
+          <a:p>
+            <a:pPr/>
+            <a:r>
+              <a:t>God energi</a:t>
+            </a:r>
+          </a:p>
+        </p:txBody>
+      </p:sp>
+    </p:spTree>
+  </p:cSld>
+  <p:clrMapOvr>
+    <a:masterClrMapping/>
+  </p:clrMapOvr>
+  <p:transition xmlns:p14="http://schemas.microsoft.com/office/powerpoint/2010/main" spd="med" advClick="1"/>
+</p:sld>
+</file>
+
+<file path=ppt/slides/slide13.xml><?xml version="1.0" encoding="utf-8"?>
+<p:sld xmlns:a="http://schemas.openxmlformats.org/drawingml/2006/main" xmlns:r="http://schemas.openxmlformats.org/officeDocument/2006/relationships" xmlns:p="http://schemas.openxmlformats.org/presentationml/2006/main" xmlns:m="http://schemas.openxmlformats.org/officeDocument/2006/math" xmlns:a14="http://schemas.microsoft.com/office/drawing/2010/main" showMasterSp="1" showMasterPhAnim="1">
+  <p:cSld>
+    <p:spTree>
+      <p:nvGrpSpPr>
+        <p:cNvPr id="1" name=""/>
+        <p:cNvGrpSpPr/>
+        <p:nvPr/>
+      </p:nvGrpSpPr>
+      <p:grpSpPr>
+        <a:xfrm>
+          <a:off x="0" y="0"/>
+          <a:ext cx="0" cy="0"/>
+          <a:chOff x="0" y="0"/>
+          <a:chExt cx="0" cy="0"/>
+        </a:xfrm>
+      </p:grpSpPr>
+      <p:sp>
+        <p:nvSpPr>
+          <p:cNvPr id="200" name="DEMO"/>
+          <p:cNvSpPr txBox="1"/>
+          <p:nvPr>
+            <p:ph type="title"/>
+          </p:nvPr>
+        </p:nvSpPr>
+        <p:spPr>
+          <a:prstGeom prst="rect">
+            <a:avLst/>
+          </a:prstGeom>
+        </p:spPr>
+        <p:txBody>
+          <a:bodyPr/>
+          <a:lstStyle>
+            <a:lvl1pPr>
+              <a:defRPr spc="-200"/>
+            </a:lvl1pPr>
+          </a:lstStyle>
           <a:p>
             <a:pPr/>
             <a:r>
@@ -4272,7 +4485,11 @@
         </p:spPr>
         <p:txBody>
           <a:bodyPr/>
-          <a:lstStyle/>
+          <a:lstStyle>
+            <a:lvl1pPr>
+              <a:defRPr spc="-200"/>
+            </a:lvl1pPr>
+          </a:lstStyle>
           <a:p>
             <a:pPr/>
             <a:r>
@@ -4286,18 +4503,17 @@
           <p:cNvPr id="156" name="Designsystem + ramverk"/>
           <p:cNvSpPr txBox="1"/>
           <p:nvPr>
-            <p:ph type="body" idx="13"/>
+            <p:ph type="body" sz="quarter" idx="1"/>
           </p:nvPr>
         </p:nvSpPr>
         <p:spPr>
-          <a:prstGeom prst="rect">
-            <a:avLst/>
-          </a:prstGeom>
-          <a:extLst>
-            <a:ext uri="{C572A759-6A51-4108-AA02-DFA0A04FC94B}">
-              <ma14:wrappingTextBoxFlag xmlns:ma14="http://schemas.microsoft.com/office/mac/drawingml/2011/main" val="1"/>
-            </a:ext>
-          </a:extLst>
+          <a:xfrm>
+            <a:off x="1206500" y="2372961"/>
+            <a:ext cx="21971000" cy="934780"/>
+          </a:xfrm>
+          <a:prstGeom prst="rect">
+            <a:avLst/>
+          </a:prstGeom>
         </p:spPr>
         <p:txBody>
           <a:bodyPr/>
@@ -4328,8 +4544,8 @@
         </p:blipFill>
         <p:spPr>
           <a:xfrm>
-            <a:off x="3841294" y="4996820"/>
-            <a:ext cx="16701412" cy="5334802"/>
+            <a:off x="3841293" y="4996820"/>
+            <a:ext cx="16701413" cy="5334803"/>
           </a:xfrm>
           <a:prstGeom prst="rect">
             <a:avLst/>
@@ -4380,7 +4596,11 @@
         </p:spPr>
         <p:txBody>
           <a:bodyPr/>
-          <a:lstStyle/>
+          <a:lstStyle>
+            <a:lvl1pPr>
+              <a:defRPr spc="-200"/>
+            </a:lvl1pPr>
+          </a:lstStyle>
           <a:p>
             <a:pPr/>
             <a:r>
@@ -4394,18 +4614,17 @@
           <p:cNvPr id="160" name="HeaderBar Component"/>
           <p:cNvSpPr txBox="1"/>
           <p:nvPr>
-            <p:ph type="body" idx="13"/>
+            <p:ph type="body" sz="quarter" idx="1"/>
           </p:nvPr>
         </p:nvSpPr>
         <p:spPr>
-          <a:prstGeom prst="rect">
-            <a:avLst/>
-          </a:prstGeom>
-          <a:extLst>
-            <a:ext uri="{C572A759-6A51-4108-AA02-DFA0A04FC94B}">
-              <ma14:wrappingTextBoxFlag xmlns:ma14="http://schemas.microsoft.com/office/mac/drawingml/2011/main" val="1"/>
-            </a:ext>
-          </a:extLst>
+          <a:xfrm>
+            <a:off x="1206500" y="2372961"/>
+            <a:ext cx="21971000" cy="934780"/>
+          </a:xfrm>
+          <a:prstGeom prst="rect">
+            <a:avLst/>
+          </a:prstGeom>
         </p:spPr>
         <p:txBody>
           <a:bodyPr/>
@@ -4436,8 +4655,8 @@
         </p:blipFill>
         <p:spPr>
           <a:xfrm>
-            <a:off x="3386944" y="3606052"/>
-            <a:ext cx="10117479" cy="8828628"/>
+            <a:off x="3386944" y="3606051"/>
+            <a:ext cx="10117480" cy="8828629"/>
           </a:xfrm>
           <a:prstGeom prst="rect">
             <a:avLst/>
@@ -4465,8 +4684,8 @@
         </p:blipFill>
         <p:spPr>
           <a:xfrm>
-            <a:off x="14945544" y="5175727"/>
-            <a:ext cx="6605347" cy="5689277"/>
+            <a:off x="14945543" y="5175727"/>
+            <a:ext cx="6605348" cy="5689278"/>
           </a:xfrm>
           <a:prstGeom prst="rect">
             <a:avLst/>
@@ -4517,7 +4736,11 @@
         </p:spPr>
         <p:txBody>
           <a:bodyPr/>
-          <a:lstStyle/>
+          <a:lstStyle>
+            <a:lvl1pPr>
+              <a:defRPr spc="-200"/>
+            </a:lvl1pPr>
+          </a:lstStyle>
           <a:p>
             <a:pPr/>
             <a:r>
@@ -4531,18 +4754,17 @@
           <p:cNvPr id="165" name="library and building blocks"/>
           <p:cNvSpPr txBox="1"/>
           <p:nvPr>
-            <p:ph type="body" idx="13"/>
+            <p:ph type="body" sz="quarter" idx="1"/>
           </p:nvPr>
         </p:nvSpPr>
         <p:spPr>
-          <a:prstGeom prst="rect">
-            <a:avLst/>
-          </a:prstGeom>
-          <a:extLst>
-            <a:ext uri="{C572A759-6A51-4108-AA02-DFA0A04FC94B}">
-              <ma14:wrappingTextBoxFlag xmlns:ma14="http://schemas.microsoft.com/office/mac/drawingml/2011/main" val="1"/>
-            </a:ext>
-          </a:extLst>
+          <a:xfrm>
+            <a:off x="1206500" y="2372961"/>
+            <a:ext cx="21971000" cy="934780"/>
+          </a:xfrm>
+          <a:prstGeom prst="rect">
+            <a:avLst/>
+          </a:prstGeom>
         </p:spPr>
         <p:txBody>
           <a:bodyPr/>
@@ -4573,8 +4795,8 @@
         </p:blipFill>
         <p:spPr>
           <a:xfrm>
-            <a:off x="-26011" y="4319956"/>
-            <a:ext cx="11378444" cy="8477224"/>
+            <a:off x="-26012" y="4319956"/>
+            <a:ext cx="11378446" cy="8477224"/>
           </a:xfrm>
           <a:prstGeom prst="rect">
             <a:avLst/>
@@ -4602,8 +4824,8 @@
         </p:blipFill>
         <p:spPr>
           <a:xfrm>
-            <a:off x="12091360" y="257530"/>
-            <a:ext cx="12217093" cy="9143990"/>
+            <a:off x="12091359" y="257529"/>
+            <a:ext cx="12217094" cy="9143991"/>
           </a:xfrm>
           <a:prstGeom prst="rect">
             <a:avLst/>
@@ -4631,8 +4853,8 @@
         </p:blipFill>
         <p:spPr>
           <a:xfrm>
-            <a:off x="12245025" y="9657533"/>
-            <a:ext cx="11909763" cy="3038206"/>
+            <a:off x="12245024" y="9657532"/>
+            <a:ext cx="11909764" cy="3038208"/>
           </a:xfrm>
           <a:prstGeom prst="rect">
             <a:avLst/>
@@ -4670,7 +4892,7 @@
       </p:grpSpPr>
       <p:sp>
         <p:nvSpPr>
-          <p:cNvPr id="170" name="Grommet"/>
+          <p:cNvPr id="170" name="Main | Grid | Box"/>
           <p:cNvSpPr txBox="1"/>
           <p:nvPr>
             <p:ph type="title"/>
@@ -4687,71 +4909,14 @@
           <a:p>
             <a:pPr/>
             <a:r>
-              <a:t>Grommet</a:t>
-            </a:r>
-          </a:p>
-        </p:txBody>
-      </p:sp>
-      <p:sp>
-        <p:nvSpPr>
-          <p:cNvPr id="171" name="-"/>
-          <p:cNvSpPr txBox="1"/>
-          <p:nvPr>
-            <p:ph type="body" idx="13"/>
-          </p:nvPr>
-        </p:nvSpPr>
-        <p:spPr>
-          <a:prstGeom prst="rect">
-            <a:avLst/>
-          </a:prstGeom>
-          <a:extLst>
-            <a:ext uri="{C572A759-6A51-4108-AA02-DFA0A04FC94B}">
-              <ma14:wrappingTextBoxFlag xmlns:ma14="http://schemas.microsoft.com/office/mac/drawingml/2011/main" val="1"/>
-            </a:ext>
-          </a:extLst>
-        </p:spPr>
-        <p:txBody>
-          <a:bodyPr/>
-          <a:lstStyle/>
-          <a:p>
-            <a:pPr/>
-            <a:r>
-              <a:t>-</a:t>
-            </a:r>
-          </a:p>
-        </p:txBody>
-      </p:sp>
-      <p:sp>
-        <p:nvSpPr>
-          <p:cNvPr id="172" name="Klurigt att få till dropdown-meny som inte refreshar sidan vid klick"/>
-          <p:cNvSpPr txBox="1"/>
-          <p:nvPr>
-            <p:ph type="body" idx="1"/>
-          </p:nvPr>
-        </p:nvSpPr>
-        <p:spPr>
-          <a:prstGeom prst="rect">
-            <a:avLst/>
-          </a:prstGeom>
-        </p:spPr>
-        <p:txBody>
-          <a:bodyPr/>
-          <a:lstStyle/>
-          <a:p>
-            <a:pPr/>
-            <a:r>
-              <a:t>Klurigt att få till dropdown-meny som</a:t>
-            </a:r>
-            <a:br/>
-            <a:r>
-              <a:t>inte refreshar sidan vid klick</a:t>
+              <a:t>Main | Grid | Box</a:t>
             </a:r>
           </a:p>
         </p:txBody>
       </p:sp>
       <p:pic>
         <p:nvPicPr>
-          <p:cNvPr id="173" name="Screenshot 2020-04-03 at 11.02.48.png" descr="Screenshot 2020-04-03 at 11.02.48.png"/>
+          <p:cNvPr id="171" name="Screenshot 2020-04-03 at 12.13.00.png" descr="Screenshot 2020-04-03 at 12.13.00.png"/>
           <p:cNvPicPr>
             <a:picLocks noChangeAspect="1"/>
           </p:cNvPicPr>
@@ -4767,8 +4932,8 @@
         </p:blipFill>
         <p:spPr>
           <a:xfrm>
-            <a:off x="11794492" y="10398018"/>
-            <a:ext cx="11226533" cy="2070468"/>
+            <a:off x="4079347" y="3124898"/>
+            <a:ext cx="16225306" cy="10352511"/>
           </a:xfrm>
           <a:prstGeom prst="rect">
             <a:avLst/>
@@ -4806,7 +4971,7 @@
       </p:grpSpPr>
       <p:sp>
         <p:nvSpPr>
-          <p:cNvPr id="175" name="Grommet"/>
+          <p:cNvPr id="173" name="Grommet"/>
           <p:cNvSpPr txBox="1"/>
           <p:nvPr>
             <p:ph type="title"/>
@@ -4819,18 +4984,50 @@
         </p:spPr>
         <p:txBody>
           <a:bodyPr/>
+          <a:lstStyle>
+            <a:lvl1pPr>
+              <a:defRPr spc="-200"/>
+            </a:lvl1pPr>
+          </a:lstStyle>
+          <a:p>
+            <a:pPr/>
+            <a:r>
+              <a:t>Grommet</a:t>
+            </a:r>
+          </a:p>
+        </p:txBody>
+      </p:sp>
+      <p:sp>
+        <p:nvSpPr>
+          <p:cNvPr id="174" name="-"/>
+          <p:cNvSpPr txBox="1"/>
+          <p:nvPr>
+            <p:ph type="body" sz="quarter" idx="1"/>
+          </p:nvPr>
+        </p:nvSpPr>
+        <p:spPr>
+          <a:xfrm>
+            <a:off x="1206500" y="2372961"/>
+            <a:ext cx="21971000" cy="934780"/>
+          </a:xfrm>
+          <a:prstGeom prst="rect">
+            <a:avLst/>
+          </a:prstGeom>
+        </p:spPr>
+        <p:txBody>
+          <a:bodyPr/>
           <a:lstStyle/>
           <a:p>
             <a:pPr/>
             <a:r>
-              <a:t>Grommet</a:t>
-            </a:r>
-          </a:p>
-        </p:txBody>
-      </p:sp>
-      <p:sp>
-        <p:nvSpPr>
-          <p:cNvPr id="176" name="+"/>
+              <a:t>-</a:t>
+            </a:r>
+          </a:p>
+        </p:txBody>
+      </p:sp>
+      <p:sp>
+        <p:nvSpPr>
+          <p:cNvPr id="175" name="Klurigt att få till dropdown-meny som inte refreshar sidan vid klick"/>
           <p:cNvSpPr txBox="1"/>
           <p:nvPr>
             <p:ph type="body" idx="13"/>
@@ -4852,60 +5049,18 @@
           <a:p>
             <a:pPr/>
             <a:r>
-              <a:t>+</a:t>
-            </a:r>
-          </a:p>
-        </p:txBody>
-      </p:sp>
-      <p:sp>
-        <p:nvSpPr>
-          <p:cNvPr id="177" name="Enkelt att installera…"/>
-          <p:cNvSpPr txBox="1"/>
-          <p:nvPr>
-            <p:ph type="body" idx="1"/>
-          </p:nvPr>
-        </p:nvSpPr>
-        <p:spPr>
-          <a:prstGeom prst="rect">
-            <a:avLst/>
-          </a:prstGeom>
-        </p:spPr>
-        <p:txBody>
-          <a:bodyPr/>
-          <a:lstStyle/>
-          <a:p>
-            <a:pPr/>
-            <a:r>
-              <a:t>Enkelt att installera</a:t>
-            </a:r>
-          </a:p>
-          <a:p>
-            <a:pPr/>
-            <a:r>
-              <a:t>Enkelt att implementera</a:t>
-            </a:r>
-          </a:p>
-          <a:p>
-            <a:pPr/>
-            <a:r>
-              <a:t>Bra bibliotek och “building blocks”</a:t>
-            </a:r>
-          </a:p>
-          <a:p>
-            <a:pPr/>
-            <a:r>
-              <a:t>Tydlig guide och mycket information på Grommets webbsida,</a:t>
+              <a:t>Klurigt att få till dropdown-meny som</a:t>
             </a:r>
             <a:br/>
             <a:r>
-              <a:t>https://v2.grommet.io/</a:t>
+              <a:t>inte refreshar sidan vid klick</a:t>
             </a:r>
           </a:p>
         </p:txBody>
       </p:sp>
       <p:pic>
         <p:nvPicPr>
-          <p:cNvPr id="178" name="Screenshot 2020-04-03 at 11.02.48.png" descr="Screenshot 2020-04-03 at 11.02.48.png"/>
+          <p:cNvPr id="176" name="Screenshot 2020-04-03 at 11.02.48.png" descr="Screenshot 2020-04-03 at 11.02.48.png"/>
           <p:cNvPicPr>
             <a:picLocks noChangeAspect="1"/>
           </p:cNvPicPr>
@@ -4921,8 +5076,8 @@
         </p:blipFill>
         <p:spPr>
           <a:xfrm>
-            <a:off x="11794492" y="10459801"/>
-            <a:ext cx="11226532" cy="2070468"/>
+            <a:off x="11794491" y="10398018"/>
+            <a:ext cx="11226535" cy="2070469"/>
           </a:xfrm>
           <a:prstGeom prst="rect">
             <a:avLst/>
@@ -4958,9 +5113,116 @@
           <a:chExt cx="0" cy="0"/>
         </a:xfrm>
       </p:grpSpPr>
+      <p:sp>
+        <p:nvSpPr>
+          <p:cNvPr id="178" name="Grommet"/>
+          <p:cNvSpPr txBox="1"/>
+          <p:nvPr>
+            <p:ph type="title"/>
+          </p:nvPr>
+        </p:nvSpPr>
+        <p:spPr>
+          <a:prstGeom prst="rect">
+            <a:avLst/>
+          </a:prstGeom>
+        </p:spPr>
+        <p:txBody>
+          <a:bodyPr/>
+          <a:lstStyle>
+            <a:lvl1pPr>
+              <a:defRPr spc="-200"/>
+            </a:lvl1pPr>
+          </a:lstStyle>
+          <a:p>
+            <a:pPr/>
+            <a:r>
+              <a:t>Grommet</a:t>
+            </a:r>
+          </a:p>
+        </p:txBody>
+      </p:sp>
+      <p:sp>
+        <p:nvSpPr>
+          <p:cNvPr id="179" name="+"/>
+          <p:cNvSpPr txBox="1"/>
+          <p:nvPr>
+            <p:ph type="body" sz="quarter" idx="1"/>
+          </p:nvPr>
+        </p:nvSpPr>
+        <p:spPr>
+          <a:xfrm>
+            <a:off x="1206500" y="2372961"/>
+            <a:ext cx="21971000" cy="934780"/>
+          </a:xfrm>
+          <a:prstGeom prst="rect">
+            <a:avLst/>
+          </a:prstGeom>
+        </p:spPr>
+        <p:txBody>
+          <a:bodyPr/>
+          <a:lstStyle/>
+          <a:p>
+            <a:pPr/>
+            <a:r>
+              <a:t>+</a:t>
+            </a:r>
+          </a:p>
+        </p:txBody>
+      </p:sp>
+      <p:sp>
+        <p:nvSpPr>
+          <p:cNvPr id="180" name="Enkelt att installera…"/>
+          <p:cNvSpPr txBox="1"/>
+          <p:nvPr>
+            <p:ph type="body" idx="13"/>
+          </p:nvPr>
+        </p:nvSpPr>
+        <p:spPr>
+          <a:prstGeom prst="rect">
+            <a:avLst/>
+          </a:prstGeom>
+          <a:extLst>
+            <a:ext uri="{C572A759-6A51-4108-AA02-DFA0A04FC94B}">
+              <ma14:wrappingTextBoxFlag xmlns:ma14="http://schemas.microsoft.com/office/mac/drawingml/2011/main" val="1"/>
+            </a:ext>
+          </a:extLst>
+        </p:spPr>
+        <p:txBody>
+          <a:bodyPr/>
+          <a:lstStyle/>
+          <a:p>
+            <a:pPr/>
+            <a:r>
+              <a:t>Enkelt att installera</a:t>
+            </a:r>
+          </a:p>
+          <a:p>
+            <a:pPr/>
+            <a:r>
+              <a:t>Enkelt att implementera</a:t>
+            </a:r>
+          </a:p>
+          <a:p>
+            <a:pPr/>
+            <a:r>
+              <a:t>Bra bibliotek och “building blocks”</a:t>
+            </a:r>
+          </a:p>
+          <a:p>
+            <a:pPr/>
+            <a:r>
+              <a:t>Tydlig guide och mycket information på Grommets webbsida,</a:t>
+            </a:r>
+            <a:br/>
+            <a:r>
+              <a:t>https://v2.grommet.io/</a:t>
+            </a:r>
+          </a:p>
+        </p:txBody>
+      </p:sp>
       <p:pic>
         <p:nvPicPr>
-          <p:cNvPr id="180" name="Screenshot 2020-04-03 at 11.11.08.png" descr="Screenshot 2020-04-03 at 11.11.08.png"/>
+          <p:cNvPr id="181" name="Screenshot 2020-04-03 at 11.02.48.png" descr="Screenshot 2020-04-03 at 11.02.48.png"/>
           <p:cNvPicPr>
             <a:picLocks noChangeAspect="1"/>
           </p:cNvPicPr>
@@ -4976,8 +5238,8 @@
         </p:blipFill>
         <p:spPr>
           <a:xfrm>
-            <a:off x="7251751" y="-40296"/>
-            <a:ext cx="16235503" cy="13796592"/>
+            <a:off x="11794491" y="10459801"/>
+            <a:ext cx="11226533" cy="2070469"/>
           </a:xfrm>
           <a:prstGeom prst="rect">
             <a:avLst/>
@@ -4987,61 +5249,6 @@
           </a:ln>
         </p:spPr>
       </p:pic>
-      <p:sp>
-        <p:nvSpPr>
-          <p:cNvPr id="181" name="addFood delDuplicate.id handleRemove"/>
-          <p:cNvSpPr txBox="1"/>
-          <p:nvPr/>
-        </p:nvSpPr>
-        <p:spPr>
-          <a:xfrm>
-            <a:off x="1429547" y="4449927"/>
-            <a:ext cx="4638676" cy="2407282"/>
-          </a:xfrm>
-          <a:prstGeom prst="rect">
-            <a:avLst/>
-          </a:prstGeom>
-          <a:ln w="12700">
-            <a:miter lim="400000"/>
-          </a:ln>
-          <a:extLst>
-            <a:ext uri="{C572A759-6A51-4108-AA02-DFA0A04FC94B}">
-              <ma14:wrappingTextBoxFlag xmlns:ma14="http://schemas.microsoft.com/office/mac/drawingml/2011/main" val="1"/>
-            </a:ext>
-          </a:extLst>
-        </p:spPr>
-        <p:txBody>
-          <a:bodyPr wrap="none" lIns="50800" tIns="50800" rIns="50800" bIns="50800" anchor="ctr">
-            <a:spAutoFit/>
-          </a:bodyPr>
-          <a:lstStyle/>
-          <a:p>
-            <a:pPr defTabSz="825500">
-              <a:lnSpc>
-                <a:spcPct val="100000"/>
-              </a:lnSpc>
-              <a:spcBef>
-                <a:spcPts val="0"/>
-              </a:spcBef>
-              <a:defRPr b="1" sz="5000"/>
-            </a:pPr>
-            <a:r>
-              <a:t>addFood</a:t>
-            </a:r>
-            <a:br/>
-            <a:r>
-              <a:rPr u="sng">
-                <a:hlinkClick r:id="rId3" invalidUrl="" action="" tgtFrame="" tooltip="" history="1" highlightClick="0" endSnd="0"/>
-              </a:rPr>
-              <a:t>delDuplicate.id</a:t>
-            </a:r>
-            <a:br/>
-            <a:r>
-              <a:t>handleRemove</a:t>
-            </a:r>
-          </a:p>
-        </p:txBody>
-      </p:sp>
     </p:spTree>
   </p:cSld>
   <p:clrMapOvr>
@@ -5070,7 +5277,7 @@
       </p:grpSpPr>
       <p:pic>
         <p:nvPicPr>
-          <p:cNvPr id="183" name="Screenshot 2020-04-03 at 11.13.07.png" descr="Screenshot 2020-04-03 at 11.13.07.png"/>
+          <p:cNvPr id="183" name="Screenshot 2020-04-03 at 11.11.08.png" descr="Screenshot 2020-04-03 at 11.11.08.png"/>
           <p:cNvPicPr>
             <a:picLocks noChangeAspect="1"/>
           </p:cNvPicPr>
@@ -5086,8 +5293,8 @@
         </p:blipFill>
         <p:spPr>
           <a:xfrm>
-            <a:off x="7842435" y="0"/>
-            <a:ext cx="15538724" cy="13716001"/>
+            <a:off x="7251751" y="-40296"/>
+            <a:ext cx="16235504" cy="13796592"/>
           </a:xfrm>
           <a:prstGeom prst="rect">
             <a:avLst/>
@@ -5099,14 +5306,14 @@
       </p:pic>
       <p:sp>
         <p:nvSpPr>
-          <p:cNvPr id="184" name="addToCart handleClick()"/>
+          <p:cNvPr id="184" name="addFood delDuplicate.id handleRemove"/>
           <p:cNvSpPr txBox="1"/>
           <p:nvPr/>
         </p:nvSpPr>
         <p:spPr>
           <a:xfrm>
-            <a:off x="1894757" y="4979422"/>
-            <a:ext cx="4051301" cy="1632582"/>
+            <a:off x="1429546" y="4449926"/>
+            <a:ext cx="4638676" cy="2407282"/>
           </a:xfrm>
           <a:prstGeom prst="rect">
             <a:avLst/>
@@ -5136,11 +5343,26 @@
               <a:defRPr b="1" sz="5000"/>
             </a:pPr>
             <a:r>
-              <a:t>addToCart</a:t>
+              <a:t>addFood</a:t>
             </a:r>
             <a:br/>
             <a:r>
-              <a:t>handleClick()</a:t>
+              <a:rPr u="sng">
+                <a:solidFill>
+                  <a:srgbClr val="0000FF"/>
+                </a:solidFill>
+                <a:uFill>
+                  <a:solidFill>
+                    <a:srgbClr val="0000FF"/>
+                  </a:solidFill>
+                </a:uFill>
+                <a:hlinkClick r:id="rId3" invalidUrl="" action="" tgtFrame="" tooltip="" history="1" highlightClick="0" endSnd="0"/>
+              </a:rPr>
+              <a:t>delDuplicate.id</a:t>
+            </a:r>
+            <a:br/>
+            <a:r>
+              <a:t>handleRemove</a:t>
             </a:r>
           </a:p>
         </p:txBody>
@@ -5173,7 +5395,7 @@
       </p:grpSpPr>
       <p:pic>
         <p:nvPicPr>
-          <p:cNvPr id="186" name="Screenshot 2020-04-03 at 11.15.51.png" descr="Screenshot 2020-04-03 at 11.15.51.png"/>
+          <p:cNvPr id="186" name="Screenshot 2020-04-03 at 11.13.07.png" descr="Screenshot 2020-04-03 at 11.13.07.png"/>
           <p:cNvPicPr>
             <a:picLocks noChangeAspect="1"/>
           </p:cNvPicPr>
@@ -5189,8 +5411,8 @@
         </p:blipFill>
         <p:spPr>
           <a:xfrm>
-            <a:off x="1246329" y="1797164"/>
-            <a:ext cx="21891342" cy="14148004"/>
+            <a:off x="7842435" y="0"/>
+            <a:ext cx="15538725" cy="13716002"/>
           </a:xfrm>
           <a:prstGeom prst="rect">
             <a:avLst/>
@@ -5202,14 +5424,14 @@
       </p:pic>
       <p:sp>
         <p:nvSpPr>
-          <p:cNvPr id="187" name="Products"/>
+          <p:cNvPr id="187" name="addToCart handleClick()"/>
           <p:cNvSpPr txBox="1"/>
           <p:nvPr/>
         </p:nvSpPr>
         <p:spPr>
           <a:xfrm>
-            <a:off x="10764520" y="523993"/>
-            <a:ext cx="2854961" cy="857882"/>
+            <a:off x="1894757" y="4979421"/>
+            <a:ext cx="4051301" cy="1632582"/>
           </a:xfrm>
           <a:prstGeom prst="rect">
             <a:avLst/>
@@ -5227,8 +5449,9 @@
           <a:bodyPr wrap="none" lIns="50800" tIns="50800" rIns="50800" bIns="50800" anchor="ctr">
             <a:spAutoFit/>
           </a:bodyPr>
-          <a:lstStyle>
-            <a:lvl1pPr defTabSz="825500">
+          <a:lstStyle/>
+          <a:p>
+            <a:pPr defTabSz="825500">
               <a:lnSpc>
                 <a:spcPct val="100000"/>
               </a:lnSpc>
@@ -5236,12 +5459,13 @@
                 <a:spcPts val="0"/>
               </a:spcBef>
               <a:defRPr b="1" sz="5000"/>
-            </a:lvl1pPr>
-          </a:lstStyle>
-          <a:p>
-            <a:pPr/>
-            <a:r>
-              <a:t>Products</a:t>
+            </a:pPr>
+            <a:r>
+              <a:t>addToCart</a:t>
+            </a:r>
+            <a:br/>
+            <a:r>
+              <a:t>handleClick()</a:t>
             </a:r>
           </a:p>
         </p:txBody>
@@ -5266,10 +5490,10 @@
         <a:srgbClr val="FFFFFF"/>
       </a:lt1>
       <a:dk2>
-        <a:srgbClr val="5E5E5E"/>
+        <a:srgbClr val="A7A7A7"/>
       </a:dk2>
       <a:lt2>
-        <a:srgbClr val="D5D5D5"/>
+        <a:srgbClr val="535353"/>
       </a:lt2>
       <a:accent1>
         <a:srgbClr val="00A2FF"/>
@@ -5303,9 +5527,9 @@
         <a:cs typeface="Helvetica Neue"/>
       </a:majorFont>
       <a:minorFont>
-        <a:latin typeface="Helvetica Neue"/>
-        <a:ea typeface="Helvetica Neue"/>
-        <a:cs typeface="Helvetica Neue"/>
+        <a:latin typeface="Helvetica"/>
+        <a:ea typeface="Helvetica"/>
+        <a:cs typeface="Helvetica"/>
       </a:minorFont>
     </a:fontScheme>
     <a:fmtScheme name="21_BasicWhite">
@@ -5446,11 +5670,14 @@
     <a:spDef>
       <a:spPr>
         <a:solidFill>
-          <a:srgbClr val="000000"/>
+          <a:srgbClr val="FFFFFF"/>
         </a:solidFill>
-        <a:ln w="12700" cap="flat">
-          <a:noFill/>
-          <a:miter lim="400000"/>
+        <a:ln w="25400" cap="flat">
+          <a:solidFill>
+            <a:schemeClr val="accent1"/>
+          </a:solidFill>
+          <a:prstDash val="solid"/>
+          <a:round/>
         </a:ln>
         <a:effectLst/>
         <a:sp3d/>
@@ -5459,12 +5686,12 @@
         <a:spAutoFit/>
       </a:bodyPr>
       <a:lstStyle>
-        <a:defPPr marL="0" marR="0" indent="0" algn="ctr" defTabSz="825500" rtl="0" fontAlgn="auto" latinLnBrk="0" hangingPunct="0">
+        <a:defPPr marL="0" marR="0" indent="0" algn="l" defTabSz="2438337" rtl="0" fontAlgn="auto" latinLnBrk="0" hangingPunct="0">
           <a:lnSpc>
-            <a:spcPct val="100000"/>
+            <a:spcPct val="90000"/>
           </a:lnSpc>
           <a:spcBef>
-            <a:spcPts val="0"/>
+            <a:spcPts val="4500"/>
           </a:spcBef>
           <a:spcAft>
             <a:spcPts val="0"/>
@@ -5474,19 +5701,19 @@
           <a:buFontTx/>
           <a:buNone/>
           <a:tabLst/>
-          <a:defRPr b="0" baseline="0" cap="none" i="0" spc="0" strike="noStrike" sz="3200" u="none" kumimoji="0" normalizeH="0">
+          <a:defRPr b="0" baseline="0" cap="none" i="0" spc="0" strike="noStrike" sz="4800" u="none" kumimoji="0" normalizeH="0">
             <a:ln>
               <a:noFill/>
             </a:ln>
             <a:solidFill>
-              <a:srgbClr val="FFFFFF"/>
+              <a:srgbClr val="000000"/>
             </a:solidFill>
             <a:effectLst/>
             <a:uFillTx/>
-            <a:latin typeface="Helvetica Neue Medium"/>
-            <a:ea typeface="Helvetica Neue Medium"/>
-            <a:cs typeface="Helvetica Neue Medium"/>
-            <a:sym typeface="Helvetica Neue Medium"/>
+            <a:latin typeface="+mj-lt"/>
+            <a:ea typeface="+mj-ea"/>
+            <a:cs typeface="+mj-cs"/>
+            <a:sym typeface="Helvetica Neue"/>
           </a:defRPr>
         </a:defPPr>
         <a:lvl1pPr marL="0" marR="0" indent="0" algn="l" defTabSz="914400" rtl="0" fontAlgn="auto" latinLnBrk="1" hangingPunct="0">
@@ -5736,10 +5963,10 @@
         <a:noFill/>
         <a:ln w="25400" cap="flat">
           <a:solidFill>
-            <a:srgbClr val="000000"/>
+            <a:schemeClr val="accent1"/>
           </a:solidFill>
           <a:prstDash val="solid"/>
-          <a:miter lim="400000"/>
+          <a:round/>
         </a:ln>
         <a:effectLst/>
         <a:sp3d/>
@@ -6030,7 +6257,7 @@
         <a:spAutoFit/>
       </a:bodyPr>
       <a:lstStyle>
-        <a:defPPr marL="0" marR="0" indent="0" algn="l" defTabSz="2438338" rtl="0" fontAlgn="auto" latinLnBrk="0" hangingPunct="0">
+        <a:defPPr marL="0" marR="0" indent="0" algn="l" defTabSz="2438337" rtl="0" fontAlgn="auto" latinLnBrk="0" hangingPunct="0">
           <a:lnSpc>
             <a:spcPct val="90000"/>
           </a:lnSpc>
@@ -6054,9 +6281,9 @@
             </a:solidFill>
             <a:effectLst/>
             <a:uFillTx/>
-            <a:latin typeface="+mn-lt"/>
-            <a:ea typeface="+mn-ea"/>
-            <a:cs typeface="+mn-cs"/>
+            <a:latin typeface="+mj-lt"/>
+            <a:ea typeface="+mj-ea"/>
+            <a:cs typeface="+mj-cs"/>
             <a:sym typeface="Helvetica Neue"/>
           </a:defRPr>
         </a:defPPr>
@@ -6317,10 +6544,10 @@
         <a:srgbClr val="FFFFFF"/>
       </a:lt1>
       <a:dk2>
-        <a:srgbClr val="5E5E5E"/>
+        <a:srgbClr val="A7A7A7"/>
       </a:dk2>
       <a:lt2>
-        <a:srgbClr val="D5D5D5"/>
+        <a:srgbClr val="535353"/>
       </a:lt2>
       <a:accent1>
         <a:srgbClr val="00A2FF"/>
@@ -6354,9 +6581,9 @@
         <a:cs typeface="Helvetica Neue"/>
       </a:majorFont>
       <a:minorFont>
-        <a:latin typeface="Helvetica Neue"/>
-        <a:ea typeface="Helvetica Neue"/>
-        <a:cs typeface="Helvetica Neue"/>
+        <a:latin typeface="Helvetica"/>
+        <a:ea typeface="Helvetica"/>
+        <a:cs typeface="Helvetica"/>
       </a:minorFont>
     </a:fontScheme>
     <a:fmtScheme name="21_BasicWhite">
@@ -6497,11 +6724,14 @@
     <a:spDef>
       <a:spPr>
         <a:solidFill>
-          <a:srgbClr val="000000"/>
+          <a:srgbClr val="FFFFFF"/>
         </a:solidFill>
-        <a:ln w="12700" cap="flat">
-          <a:noFill/>
-          <a:miter lim="400000"/>
+        <a:ln w="25400" cap="flat">
+          <a:solidFill>
+            <a:schemeClr val="accent1"/>
+          </a:solidFill>
+          <a:prstDash val="solid"/>
+          <a:round/>
         </a:ln>
         <a:effectLst/>
         <a:sp3d/>
@@ -6510,12 +6740,12 @@
         <a:spAutoFit/>
       </a:bodyPr>
       <a:lstStyle>
-        <a:defPPr marL="0" marR="0" indent="0" algn="ctr" defTabSz="825500" rtl="0" fontAlgn="auto" latinLnBrk="0" hangingPunct="0">
+        <a:defPPr marL="0" marR="0" indent="0" algn="l" defTabSz="2438337" rtl="0" fontAlgn="auto" latinLnBrk="0" hangingPunct="0">
           <a:lnSpc>
-            <a:spcPct val="100000"/>
+            <a:spcPct val="90000"/>
           </a:lnSpc>
           <a:spcBef>
-            <a:spcPts val="0"/>
+            <a:spcPts val="4500"/>
           </a:spcBef>
           <a:spcAft>
             <a:spcPts val="0"/>
@@ -6525,19 +6755,19 @@
           <a:buFontTx/>
           <a:buNone/>
           <a:tabLst/>
-          <a:defRPr b="0" baseline="0" cap="none" i="0" spc="0" strike="noStrike" sz="3200" u="none" kumimoji="0" normalizeH="0">
+          <a:defRPr b="0" baseline="0" cap="none" i="0" spc="0" strike="noStrike" sz="4800" u="none" kumimoji="0" normalizeH="0">
             <a:ln>
               <a:noFill/>
             </a:ln>
             <a:solidFill>
-              <a:srgbClr val="FFFFFF"/>
+              <a:srgbClr val="000000"/>
             </a:solidFill>
             <a:effectLst/>
             <a:uFillTx/>
-            <a:latin typeface="Helvetica Neue Medium"/>
-            <a:ea typeface="Helvetica Neue Medium"/>
-            <a:cs typeface="Helvetica Neue Medium"/>
-            <a:sym typeface="Helvetica Neue Medium"/>
+            <a:latin typeface="+mj-lt"/>
+            <a:ea typeface="+mj-ea"/>
+            <a:cs typeface="+mj-cs"/>
+            <a:sym typeface="Helvetica Neue"/>
           </a:defRPr>
         </a:defPPr>
         <a:lvl1pPr marL="0" marR="0" indent="0" algn="l" defTabSz="914400" rtl="0" fontAlgn="auto" latinLnBrk="1" hangingPunct="0">
@@ -6787,10 +7017,10 @@
         <a:noFill/>
         <a:ln w="25400" cap="flat">
           <a:solidFill>
-            <a:srgbClr val="000000"/>
+            <a:schemeClr val="accent1"/>
           </a:solidFill>
           <a:prstDash val="solid"/>
-          <a:miter lim="400000"/>
+          <a:round/>
         </a:ln>
         <a:effectLst/>
         <a:sp3d/>
@@ -7081,7 +7311,7 @@
         <a:spAutoFit/>
       </a:bodyPr>
       <a:lstStyle>
-        <a:defPPr marL="0" marR="0" indent="0" algn="l" defTabSz="2438338" rtl="0" fontAlgn="auto" latinLnBrk="0" hangingPunct="0">
+        <a:defPPr marL="0" marR="0" indent="0" algn="l" defTabSz="2438337" rtl="0" fontAlgn="auto" latinLnBrk="0" hangingPunct="0">
           <a:lnSpc>
             <a:spcPct val="90000"/>
           </a:lnSpc>
@@ -7105,9 +7335,9 @@
             </a:solidFill>
             <a:effectLst/>
             <a:uFillTx/>
-            <a:latin typeface="+mn-lt"/>
-            <a:ea typeface="+mn-ea"/>
-            <a:cs typeface="+mn-cs"/>
+            <a:latin typeface="+mj-lt"/>
+            <a:ea typeface="+mj-ea"/>
+            <a:cs typeface="+mj-cs"/>
             <a:sym typeface="Helvetica Neue"/>
           </a:defRPr>
         </a:defPPr>
